--- a/Final_presentation.pptx
+++ b/Final_presentation.pptx
@@ -9,7 +9,7 @@
     <p:sldId id="257" r:id="rId3"/>
     <p:sldId id="258" r:id="rId4"/>
     <p:sldId id="259" r:id="rId5"/>
-    <p:sldId id="260" r:id="rId6"/>
+    <p:sldId id="269" r:id="rId6"/>
     <p:sldId id="261" r:id="rId7"/>
     <p:sldId id="263" r:id="rId8"/>
     <p:sldId id="265" r:id="rId9"/>
@@ -114,6 +114,11 @@
       </a:defRPr>
     </a:lvl9pPr>
   </p:defaultTextStyle>
+  <p:extLst>
+    <p:ext uri="{EFAFB233-063F-42B5-8137-9DF3F51BA10A}">
+      <p15:sldGuideLst xmlns:p15="http://schemas.microsoft.com/office/powerpoint/2012/main"/>
+    </p:ext>
+  </p:extLst>
 </p:presentation>
 </file>
 
@@ -3953,7 +3958,7 @@
           <a:p>
             <a:pPr algn="ctr"/>
             <a:r>
-              <a:rPr lang="en-US" sz="2600">
+              <a:rPr lang="en-US" sz="2600" b="1" dirty="0">
                 <a:solidFill>
                   <a:srgbClr val="FFFFFF"/>
                 </a:solidFill>
@@ -4338,7 +4343,7 @@
           <a:lstStyle/>
           <a:p>
             <a:r>
-              <a:rPr lang="en-US" dirty="0"/>
+              <a:rPr lang="en-US" b="1" dirty="0"/>
               <a:t>Project Description</a:t>
             </a:r>
           </a:p>
@@ -4773,7 +4778,7 @@
           <a:lstStyle/>
           <a:p>
             <a:r>
-              <a:rPr lang="en-US" dirty="0"/>
+              <a:rPr lang="en-US" b="1" dirty="0"/>
               <a:t>Research Questions</a:t>
             </a:r>
           </a:p>
@@ -5188,7 +5193,7 @@
           <a:lstStyle/>
           <a:p>
             <a:r>
-              <a:rPr lang="en-US" dirty="0">
+              <a:rPr lang="en-US" b="1" dirty="0">
                 <a:solidFill>
                   <a:schemeClr val="bg1"/>
                 </a:solidFill>
@@ -5691,11 +5696,13 @@
         </p:nvSpPr>
         <p:spPr/>
         <p:txBody>
-          <a:bodyPr/>
-          <a:lstStyle/>
-          <a:p>
-            <a:r>
-              <a:rPr lang="en-US" dirty="0"/>
+          <a:bodyPr>
+            <a:normAutofit/>
+          </a:bodyPr>
+          <a:lstStyle/>
+          <a:p>
+            <a:r>
+              <a:rPr lang="en-US" sz="4000" b="1" i="1" dirty="0"/>
               <a:t>POWER BI DASHBOARD</a:t>
             </a:r>
           </a:p>
@@ -5717,7 +5724,7 @@
             <p:ph idx="1"/>
           </p:nvPr>
         </p:nvPicPr>
-        <p:blipFill>
+        <p:blipFill rotWithShape="1">
           <a:blip r:embed="rId2">
             <a:extLst>
               <a:ext uri="{28A0092B-C50C-407E-A947-70E740481C1C}">
@@ -5725,21 +5732,20 @@
               </a:ext>
             </a:extLst>
           </a:blip>
-          <a:stretch>
-            <a:fillRect/>
-          </a:stretch>
+          <a:srcRect r="2989"/>
+          <a:stretch/>
         </p:blipFill>
         <p:spPr>
           <a:xfrm>
             <a:off x="1057275" y="1471613"/>
-            <a:ext cx="10515599" cy="5186361"/>
+            <a:ext cx="10201275" cy="5186361"/>
           </a:xfrm>
         </p:spPr>
       </p:pic>
     </p:spTree>
     <p:extLst>
       <p:ext uri="{BB962C8B-B14F-4D97-AF65-F5344CB8AC3E}">
-        <p14:creationId xmlns:p14="http://schemas.microsoft.com/office/powerpoint/2010/main" val="41084956"/>
+        <p14:creationId xmlns:p14="http://schemas.microsoft.com/office/powerpoint/2010/main" val="382899635"/>
       </p:ext>
     </p:extLst>
   </p:cSld>
@@ -5789,11 +5795,13 @@
           </a:xfrm>
         </p:spPr>
         <p:txBody>
-          <a:bodyPr/>
-          <a:lstStyle/>
-          <a:p>
-            <a:r>
-              <a:rPr lang="en-US" dirty="0"/>
+          <a:bodyPr>
+            <a:normAutofit/>
+          </a:bodyPr>
+          <a:lstStyle/>
+          <a:p>
+            <a:r>
+              <a:rPr lang="en-US" sz="4000" b="1" i="1" dirty="0"/>
               <a:t>POWER BI DASHBOARD</a:t>
             </a:r>
           </a:p>
@@ -5959,19 +5967,19 @@
           <a:lstStyle/>
           <a:p>
             <a:r>
-              <a:rPr lang="en-US" dirty="0"/>
+              <a:rPr lang="en-US" b="1" i="1" dirty="0"/>
               <a:t>QLIKSENSE DASHBOARD</a:t>
             </a:r>
             <a:br>
-              <a:rPr lang="en-US" dirty="0"/>
+              <a:rPr lang="en-US" b="1" i="1" dirty="0"/>
             </a:br>
             <a:r>
-              <a:rPr lang="en-US" sz="2700" dirty="0">
+              <a:rPr lang="en-US" sz="2700" b="1" i="1" dirty="0">
                 <a:hlinkClick r:id="rId5"/>
               </a:rPr>
               <a:t>https://us.qlikcloud.com/hub/personal</a:t>
             </a:r>
-            <a:endParaRPr lang="en-US" sz="2700" dirty="0"/>
+            <a:endParaRPr lang="en-US" sz="2700" b="1" i="1" dirty="0"/>
           </a:p>
         </p:txBody>
       </p:sp>
@@ -6067,11 +6075,13 @@
           </a:xfrm>
         </p:spPr>
         <p:txBody>
-          <a:bodyPr/>
-          <a:lstStyle/>
-          <a:p>
-            <a:r>
-              <a:rPr lang="en-US" dirty="0"/>
+          <a:bodyPr>
+            <a:normAutofit/>
+          </a:bodyPr>
+          <a:lstStyle/>
+          <a:p>
+            <a:r>
+              <a:rPr lang="en-US" sz="4000" b="1" i="1" dirty="0"/>
               <a:t>QLIKSENSE DASHBOARD</a:t>
             </a:r>
           </a:p>
@@ -6088,6 +6098,14 @@
 <file path=ppt/slides/slide9.xml><?xml version="1.0" encoding="utf-8"?>
 <p:sld xmlns:a="http://schemas.openxmlformats.org/drawingml/2006/main" xmlns:r="http://schemas.openxmlformats.org/officeDocument/2006/relationships" xmlns:p="http://schemas.openxmlformats.org/presentationml/2006/main">
   <p:cSld>
+    <p:bg>
+      <p:bgPr>
+        <a:solidFill>
+          <a:srgbClr val="3F3F3F"/>
+        </a:solidFill>
+        <a:effectLst/>
+      </p:bgPr>
+    </p:bg>
     <p:spTree>
       <p:nvGrpSpPr>
         <p:cNvPr id="1" name=""/>
@@ -6117,37 +6135,37 @@
           <p:nvPr>
             <p:extLst>
               <p:ext uri="{D42A27DB-BD31-4B8C-83A1-F6EECF244321}">
-                <p14:modId xmlns:p14="http://schemas.microsoft.com/office/powerpoint/2010/main" val="3347564467"/>
+                <p14:modId xmlns:p14="http://schemas.microsoft.com/office/powerpoint/2010/main" val="626635517"/>
               </p:ext>
             </p:extLst>
           </p:nvPr>
         </p:nvGraphicFramePr>
         <p:xfrm>
-          <a:off x="1085851" y="729191"/>
-          <a:ext cx="9102723" cy="5008828"/>
+          <a:off x="949911" y="1457162"/>
+          <a:ext cx="9632272" cy="5008828"/>
         </p:xfrm>
         <a:graphic>
           <a:graphicData uri="http://schemas.openxmlformats.org/drawingml/2006/table">
             <a:tbl>
               <a:tblPr firstRow="1" bandRow="1">
-                <a:tableStyleId>{5C22544A-7EE6-4342-B048-85BDC9FD1C3A}</a:tableStyleId>
+                <a:tableStyleId>{073A0DAA-6AF3-43AB-8588-CEC1D06C72B9}</a:tableStyleId>
               </a:tblPr>
               <a:tblGrid>
-                <a:gridCol w="3171824">
+                <a:gridCol w="3356344">
                   <a:extLst>
                     <a:ext uri="{9D8B030D-6E8A-4147-A177-3AD203B41FA5}">
                       <a16:colId xmlns:a16="http://schemas.microsoft.com/office/drawing/2014/main" val="3616052071"/>
                     </a:ext>
                   </a:extLst>
                 </a:gridCol>
-                <a:gridCol w="3057525">
+                <a:gridCol w="3235396">
                   <a:extLst>
                     <a:ext uri="{9D8B030D-6E8A-4147-A177-3AD203B41FA5}">
                       <a16:colId xmlns:a16="http://schemas.microsoft.com/office/drawing/2014/main" val="3124378783"/>
                     </a:ext>
                   </a:extLst>
                 </a:gridCol>
-                <a:gridCol w="2873374">
+                <a:gridCol w="3040532">
                   <a:extLst>
                     <a:ext uri="{9D8B030D-6E8A-4147-A177-3AD203B41FA5}">
                       <a16:colId xmlns:a16="http://schemas.microsoft.com/office/drawing/2014/main" val="4145957832"/>
@@ -6161,6 +6179,7 @@
                     <a:bodyPr/>
                     <a:lstStyle/>
                     <a:p>
+                      <a:pPr algn="ctr"/>
                       <a:r>
                         <a:rPr lang="en-US" dirty="0"/>
                         <a:t>FEATURES</a:t>
@@ -6174,6 +6193,7 @@
                     <a:bodyPr/>
                     <a:lstStyle/>
                     <a:p>
+                      <a:pPr algn="ctr"/>
                       <a:r>
                         <a:rPr lang="en-US" dirty="0"/>
                         <a:t>POWER BI</a:t>
@@ -6187,6 +6207,7 @@
                     <a:bodyPr/>
                     <a:lstStyle/>
                     <a:p>
+                      <a:pPr algn="ctr"/>
                       <a:r>
                         <a:rPr lang="en-US" dirty="0"/>
                         <a:t>QLIKSENSE</a:t>
@@ -6207,6 +6228,7 @@
                     <a:bodyPr/>
                     <a:lstStyle/>
                     <a:p>
+                      <a:pPr algn="l"/>
                       <a:r>
                         <a:rPr lang="en-US" dirty="0"/>
                         <a:t>DATA LOAD TRANSFORMATION</a:t>
@@ -6220,6 +6242,7 @@
                     <a:bodyPr/>
                     <a:lstStyle/>
                     <a:p>
+                      <a:pPr algn="ctr"/>
                       <a:r>
                         <a:rPr lang="en-US" dirty="0"/>
                         <a:t>VERY GOOD</a:t>
@@ -6233,6 +6256,7 @@
                     <a:bodyPr/>
                     <a:lstStyle/>
                     <a:p>
+                      <a:pPr algn="ctr"/>
                       <a:r>
                         <a:rPr lang="en-US" dirty="0"/>
                         <a:t>EXCELLENT</a:t>
@@ -6253,6 +6277,7 @@
                     <a:bodyPr/>
                     <a:lstStyle/>
                     <a:p>
+                      <a:pPr algn="l"/>
                       <a:r>
                         <a:rPr lang="en-US" dirty="0"/>
                         <a:t>MEASURES</a:t>
@@ -6266,7 +6291,7 @@
                     <a:bodyPr/>
                     <a:lstStyle/>
                     <a:p>
-                      <a:pPr marL="0" marR="0" lvl="0" indent="0" algn="l" defTabSz="914400" rtl="0" eaLnBrk="1" fontAlgn="auto" latinLnBrk="0" hangingPunct="1">
+                      <a:pPr marL="0" marR="0" lvl="0" indent="0" algn="ctr" defTabSz="914400" rtl="0" eaLnBrk="1" fontAlgn="auto" latinLnBrk="0" hangingPunct="1">
                         <a:lnSpc>
                           <a:spcPct val="100000"/>
                         </a:lnSpc>
@@ -6296,7 +6321,7 @@
                     <a:bodyPr/>
                     <a:lstStyle/>
                     <a:p>
-                      <a:pPr marL="0" marR="0" lvl="0" indent="0" algn="l" defTabSz="914400" rtl="0" eaLnBrk="1" fontAlgn="auto" latinLnBrk="0" hangingPunct="1">
+                      <a:pPr marL="0" marR="0" lvl="0" indent="0" algn="ctr" defTabSz="914400" rtl="0" eaLnBrk="1" fontAlgn="auto" latinLnBrk="0" hangingPunct="1">
                         <a:lnSpc>
                           <a:spcPct val="100000"/>
                         </a:lnSpc>
@@ -6333,6 +6358,7 @@
                     <a:bodyPr/>
                     <a:lstStyle/>
                     <a:p>
+                      <a:pPr algn="l"/>
                       <a:r>
                         <a:rPr lang="en-US" dirty="0"/>
                         <a:t>SEARCHING</a:t>
@@ -6346,6 +6372,7 @@
                     <a:bodyPr/>
                     <a:lstStyle/>
                     <a:p>
+                      <a:pPr algn="ctr"/>
                       <a:r>
                         <a:rPr lang="en-US" dirty="0"/>
                         <a:t>ADEQUATE</a:t>
@@ -6359,7 +6386,7 @@
                     <a:bodyPr/>
                     <a:lstStyle/>
                     <a:p>
-                      <a:pPr marL="0" marR="0" lvl="0" indent="0" algn="l" defTabSz="914400" rtl="0" eaLnBrk="1" fontAlgn="auto" latinLnBrk="0" hangingPunct="1">
+                      <a:pPr marL="0" marR="0" lvl="0" indent="0" algn="ctr" defTabSz="914400" rtl="0" eaLnBrk="1" fontAlgn="auto" latinLnBrk="0" hangingPunct="1">
                         <a:lnSpc>
                           <a:spcPct val="100000"/>
                         </a:lnSpc>
@@ -6396,6 +6423,7 @@
                     <a:bodyPr/>
                     <a:lstStyle/>
                     <a:p>
+                      <a:pPr algn="l"/>
                       <a:r>
                         <a:rPr lang="en-US" dirty="0"/>
                         <a:t>CLOUD FREE</a:t>
@@ -6409,6 +6437,7 @@
                     <a:bodyPr/>
                     <a:lstStyle/>
                     <a:p>
+                      <a:pPr algn="ctr"/>
                       <a:r>
                         <a:rPr lang="en-US" dirty="0"/>
                         <a:t>YES FOR 1</a:t>
@@ -6422,6 +6451,7 @@
                     <a:bodyPr/>
                     <a:lstStyle/>
                     <a:p>
+                      <a:pPr algn="ctr"/>
                       <a:r>
                         <a:rPr lang="en-US" dirty="0"/>
                         <a:t>YES SHARE 5</a:t>
@@ -6442,6 +6472,7 @@
                     <a:bodyPr/>
                     <a:lstStyle/>
                     <a:p>
+                      <a:pPr algn="l"/>
                       <a:r>
                         <a:rPr lang="en-US" dirty="0"/>
                         <a:t>ADJUSTING DIFF SCREEN SIZE</a:t>
@@ -6455,6 +6486,7 @@
                     <a:bodyPr/>
                     <a:lstStyle/>
                     <a:p>
+                      <a:pPr algn="ctr"/>
                       <a:r>
                         <a:rPr lang="en-US" dirty="0"/>
                         <a:t>GOOD</a:t>
@@ -6468,6 +6500,7 @@
                     <a:bodyPr/>
                     <a:lstStyle/>
                     <a:p>
+                      <a:pPr algn="ctr"/>
                       <a:r>
                         <a:rPr lang="en-US" dirty="0"/>
                         <a:t>EXCELLENT</a:t>
@@ -6488,6 +6521,7 @@
                     <a:bodyPr/>
                     <a:lstStyle/>
                     <a:p>
+                      <a:pPr algn="l"/>
                       <a:r>
                         <a:rPr lang="en-US" dirty="0"/>
                         <a:t>DATA LOAD TIME</a:t>
@@ -6501,6 +6535,7 @@
                     <a:bodyPr/>
                     <a:lstStyle/>
                     <a:p>
+                      <a:pPr algn="ctr"/>
                       <a:r>
                         <a:rPr lang="en-US" dirty="0"/>
                         <a:t>BIT SLOW</a:t>
@@ -6514,6 +6549,7 @@
                     <a:bodyPr/>
                     <a:lstStyle/>
                     <a:p>
+                      <a:pPr algn="ctr"/>
                       <a:r>
                         <a:rPr lang="en-US" dirty="0"/>
                         <a:t>VERY FAST</a:t>
@@ -6534,6 +6570,7 @@
                     <a:bodyPr/>
                     <a:lstStyle/>
                     <a:p>
+                      <a:pPr algn="l"/>
                       <a:r>
                         <a:rPr lang="en-US" dirty="0"/>
                         <a:t>PRINT EXPORT</a:t>
@@ -6547,6 +6584,7 @@
                     <a:bodyPr/>
                     <a:lstStyle/>
                     <a:p>
+                      <a:pPr algn="ctr"/>
                       <a:r>
                         <a:rPr lang="en-US" dirty="0"/>
                         <a:t>ADEQUATE</a:t>
@@ -6560,6 +6598,7 @@
                     <a:bodyPr/>
                     <a:lstStyle/>
                     <a:p>
+                      <a:pPr algn="ctr"/>
                       <a:r>
                         <a:rPr lang="en-US" dirty="0"/>
                         <a:t>GOOD</a:t>
@@ -6580,6 +6619,7 @@
                     <a:bodyPr/>
                     <a:lstStyle/>
                     <a:p>
+                      <a:pPr algn="l"/>
                       <a:r>
                         <a:rPr lang="en-US" dirty="0"/>
                         <a:t>NULL HANDLING</a:t>
@@ -6593,6 +6633,7 @@
                     <a:bodyPr/>
                     <a:lstStyle/>
                     <a:p>
+                      <a:pPr algn="ctr"/>
                       <a:r>
                         <a:rPr lang="en-US" dirty="0"/>
                         <a:t>GOOD</a:t>
@@ -6606,6 +6647,7 @@
                     <a:bodyPr/>
                     <a:lstStyle/>
                     <a:p>
+                      <a:pPr algn="ctr"/>
                       <a:r>
                         <a:rPr lang="en-US" dirty="0"/>
                         <a:t>DIFFICULT</a:t>
@@ -6626,6 +6668,7 @@
                     <a:bodyPr/>
                     <a:lstStyle/>
                     <a:p>
+                      <a:pPr algn="l"/>
                       <a:r>
                         <a:rPr lang="en-US" dirty="0"/>
                         <a:t>PIVOT TABLES</a:t>
@@ -6639,6 +6682,7 @@
                     <a:bodyPr/>
                     <a:lstStyle/>
                     <a:p>
+                      <a:pPr algn="ctr"/>
                       <a:r>
                         <a:rPr lang="en-US" dirty="0"/>
                         <a:t>GOOD</a:t>
@@ -6652,6 +6696,7 @@
                     <a:bodyPr/>
                     <a:lstStyle/>
                     <a:p>
+                      <a:pPr algn="ctr"/>
                       <a:r>
                         <a:rPr lang="en-US" dirty="0"/>
                         <a:t>VERY GOOD</a:t>
@@ -6672,6 +6717,7 @@
                     <a:bodyPr/>
                     <a:lstStyle/>
                     <a:p>
+                      <a:pPr algn="l"/>
                       <a:r>
                         <a:rPr lang="en-US" dirty="0"/>
                         <a:t>DRILL DOWN</a:t>
@@ -6685,6 +6731,7 @@
                     <a:bodyPr/>
                     <a:lstStyle/>
                     <a:p>
+                      <a:pPr algn="ctr"/>
                       <a:r>
                         <a:rPr lang="en-US" dirty="0"/>
                         <a:t>GOOD</a:t>
@@ -6698,6 +6745,7 @@
                     <a:bodyPr/>
                     <a:lstStyle/>
                     <a:p>
+                      <a:pPr algn="ctr"/>
                       <a:r>
                         <a:rPr lang="en-US" dirty="0"/>
                         <a:t>GOOD</a:t>
@@ -6716,6 +6764,119 @@
           </a:graphicData>
         </a:graphic>
       </p:graphicFrame>
+      <p:sp>
+        <p:nvSpPr>
+          <p:cNvPr id="2" name="Title 1">
+            <a:extLst>
+              <a:ext uri="{FF2B5EF4-FFF2-40B4-BE49-F238E27FC236}">
+                <a16:creationId xmlns:a16="http://schemas.microsoft.com/office/drawing/2014/main" id="{9A44FFAA-6D2B-422A-8329-D2AAAC4AFF2C}"/>
+              </a:ext>
+            </a:extLst>
+          </p:cNvPr>
+          <p:cNvSpPr>
+            <a:spLocks noGrp="1"/>
+          </p:cNvSpPr>
+          <p:nvPr>
+            <p:ph type="title"/>
+          </p:nvPr>
+        </p:nvSpPr>
+        <p:spPr/>
+        <p:txBody>
+          <a:bodyPr/>
+          <a:lstStyle/>
+          <a:p>
+            <a:r>
+              <a:rPr lang="en-CA" b="1" dirty="0">
+                <a:solidFill>
+                  <a:schemeClr val="bg1"/>
+                </a:solidFill>
+              </a:rPr>
+              <a:t>               vs.</a:t>
+            </a:r>
+          </a:p>
+        </p:txBody>
+      </p:sp>
+      <p:pic>
+        <p:nvPicPr>
+          <p:cNvPr id="4" name="Picture 3">
+            <a:extLst>
+              <a:ext uri="{FF2B5EF4-FFF2-40B4-BE49-F238E27FC236}">
+                <a16:creationId xmlns:a16="http://schemas.microsoft.com/office/drawing/2014/main" id="{11261F19-42A8-4399-9E88-B012012750F8}"/>
+              </a:ext>
+            </a:extLst>
+          </p:cNvPr>
+          <p:cNvPicPr>
+            <a:picLocks noChangeAspect="1"/>
+          </p:cNvPicPr>
+          <p:nvPr/>
+        </p:nvPicPr>
+        <p:blipFill>
+          <a:blip r:embed="rId2">
+            <a:extLst>
+              <a:ext uri="{BEBA8EAE-BF5A-486C-A8C5-ECC9F3942E4B}">
+                <a14:imgProps xmlns:a14="http://schemas.microsoft.com/office/drawing/2010/main">
+                  <a14:imgLayer r:embed="rId3">
+                    <a14:imgEffect>
+                      <a14:sharpenSoften amount="-50000"/>
+                    </a14:imgEffect>
+                  </a14:imgLayer>
+                </a14:imgProps>
+              </a:ext>
+              <a:ext uri="{28A0092B-C50C-407E-A947-70E740481C1C}">
+                <a14:useLocalDpi xmlns:a14="http://schemas.microsoft.com/office/drawing/2010/main" val="0"/>
+              </a:ext>
+            </a:extLst>
+          </a:blip>
+          <a:stretch>
+            <a:fillRect/>
+          </a:stretch>
+        </p:blipFill>
+        <p:spPr>
+          <a:xfrm>
+            <a:off x="952500" y="576038"/>
+            <a:ext cx="1695450" cy="690048"/>
+          </a:xfrm>
+          <a:prstGeom prst="rect">
+            <a:avLst/>
+          </a:prstGeom>
+        </p:spPr>
+      </p:pic>
+      <p:pic>
+        <p:nvPicPr>
+          <p:cNvPr id="7" name="Picture 6">
+            <a:extLst>
+              <a:ext uri="{FF2B5EF4-FFF2-40B4-BE49-F238E27FC236}">
+                <a16:creationId xmlns:a16="http://schemas.microsoft.com/office/drawing/2014/main" id="{049C257A-BB51-4D00-8BCE-5F46986E27D4}"/>
+              </a:ext>
+            </a:extLst>
+          </p:cNvPr>
+          <p:cNvPicPr>
+            <a:picLocks noChangeAspect="1"/>
+          </p:cNvPicPr>
+          <p:nvPr/>
+        </p:nvPicPr>
+        <p:blipFill>
+          <a:blip r:embed="rId4">
+            <a:extLst>
+              <a:ext uri="{28A0092B-C50C-407E-A947-70E740481C1C}">
+                <a14:useLocalDpi xmlns:a14="http://schemas.microsoft.com/office/drawing/2010/main" val="0"/>
+              </a:ext>
+            </a:extLst>
+          </a:blip>
+          <a:stretch>
+            <a:fillRect/>
+          </a:stretch>
+        </p:blipFill>
+        <p:spPr>
+          <a:xfrm>
+            <a:off x="3601212" y="575462"/>
+            <a:ext cx="2177822" cy="691200"/>
+          </a:xfrm>
+          <a:prstGeom prst="rect">
+            <a:avLst/>
+          </a:prstGeom>
+        </p:spPr>
+      </p:pic>
     </p:spTree>
     <p:extLst>
       <p:ext uri="{BB962C8B-B14F-4D97-AF65-F5344CB8AC3E}">

--- a/Final_presentation.pptx
+++ b/Final_presentation.pptx
@@ -9,7 +9,7 @@
     <p:sldId id="257" r:id="rId3"/>
     <p:sldId id="258" r:id="rId4"/>
     <p:sldId id="259" r:id="rId5"/>
-    <p:sldId id="269" r:id="rId6"/>
+    <p:sldId id="260" r:id="rId6"/>
     <p:sldId id="261" r:id="rId7"/>
     <p:sldId id="263" r:id="rId8"/>
     <p:sldId id="265" r:id="rId9"/>
@@ -3958,7 +3958,7 @@
           <a:p>
             <a:pPr algn="ctr"/>
             <a:r>
-              <a:rPr lang="en-US" sz="2600" b="1" dirty="0">
+              <a:rPr lang="en-US" sz="2600">
                 <a:solidFill>
                   <a:srgbClr val="FFFFFF"/>
                 </a:solidFill>
@@ -4343,7 +4343,7 @@
           <a:lstStyle/>
           <a:p>
             <a:r>
-              <a:rPr lang="en-US" b="1" dirty="0"/>
+              <a:rPr lang="en-US" dirty="0"/>
               <a:t>Project Description</a:t>
             </a:r>
           </a:p>
@@ -4778,7 +4778,7 @@
           <a:lstStyle/>
           <a:p>
             <a:r>
-              <a:rPr lang="en-US" b="1" dirty="0"/>
+              <a:rPr lang="en-US" dirty="0"/>
               <a:t>Research Questions</a:t>
             </a:r>
           </a:p>
@@ -5193,7 +5193,7 @@
           <a:lstStyle/>
           <a:p>
             <a:r>
-              <a:rPr lang="en-US" b="1" dirty="0">
+              <a:rPr lang="en-US" dirty="0">
                 <a:solidFill>
                   <a:schemeClr val="bg1"/>
                 </a:solidFill>
@@ -5293,7 +5293,7 @@
         </p:nvCxnSpPr>
         <p:spPr>
           <a:xfrm>
-            <a:off x="2314575" y="2452052"/>
+            <a:off x="2560228" y="2456179"/>
             <a:ext cx="1035218" cy="685611"/>
           </a:xfrm>
           <a:prstGeom prst="bentConnector3">
@@ -5302,6 +5302,9 @@
             </a:avLst>
           </a:prstGeom>
           <a:ln>
+            <a:solidFill>
+              <a:schemeClr val="bg1"/>
+            </a:solidFill>
             <a:tailEnd type="triangle"/>
           </a:ln>
         </p:spPr>
@@ -5348,8 +5351,8 @@
         </p:blipFill>
         <p:spPr>
           <a:xfrm>
-            <a:off x="3408362" y="2429932"/>
-            <a:ext cx="2830924" cy="1415462"/>
+            <a:off x="3595446" y="2427967"/>
+            <a:ext cx="2672912" cy="1337455"/>
           </a:xfrm>
           <a:prstGeom prst="rect">
             <a:avLst/>
@@ -5403,30 +5406,185 @@
           </a:p>
         </p:txBody>
       </p:sp>
+      <p:pic>
+        <p:nvPicPr>
+          <p:cNvPr id="24" name="Picture 23" descr="A screenshot of a cell phone&#10;&#10;Description automatically generated">
+            <a:extLst>
+              <a:ext uri="{FF2B5EF4-FFF2-40B4-BE49-F238E27FC236}">
+                <a16:creationId xmlns:a16="http://schemas.microsoft.com/office/drawing/2014/main" id="{504D1163-325A-4F25-A5B4-FC7F04B29726}"/>
+              </a:ext>
+            </a:extLst>
+          </p:cNvPr>
+          <p:cNvPicPr>
+            <a:picLocks noChangeAspect="1"/>
+          </p:cNvPicPr>
+          <p:nvPr/>
+        </p:nvPicPr>
+        <p:blipFill>
+          <a:blip r:embed="rId4">
+            <a:extLst>
+              <a:ext uri="{28A0092B-C50C-407E-A947-70E740481C1C}">
+                <a14:useLocalDpi xmlns:a14="http://schemas.microsoft.com/office/drawing/2010/main" val="0"/>
+              </a:ext>
+            </a:extLst>
+          </a:blip>
+          <a:stretch>
+            <a:fillRect/>
+          </a:stretch>
+        </p:blipFill>
+        <p:spPr>
+          <a:xfrm>
+            <a:off x="7952032" y="3852578"/>
+            <a:ext cx="3895839" cy="1986878"/>
+          </a:xfrm>
+          <a:prstGeom prst="rect">
+            <a:avLst/>
+          </a:prstGeom>
+        </p:spPr>
+      </p:pic>
+      <p:sp>
+        <p:nvSpPr>
+          <p:cNvPr id="28" name="TextBox 27">
+            <a:extLst>
+              <a:ext uri="{FF2B5EF4-FFF2-40B4-BE49-F238E27FC236}">
+                <a16:creationId xmlns:a16="http://schemas.microsoft.com/office/drawing/2014/main" id="{682639E3-DDEF-46BD-A5C5-44B7DF0FFB40}"/>
+              </a:ext>
+            </a:extLst>
+          </p:cNvPr>
+          <p:cNvSpPr txBox="1"/>
+          <p:nvPr/>
+        </p:nvSpPr>
+        <p:spPr>
+          <a:xfrm>
+            <a:off x="7952032" y="6123543"/>
+            <a:ext cx="2320413" cy="369332"/>
+          </a:xfrm>
+          <a:prstGeom prst="rect">
+            <a:avLst/>
+          </a:prstGeom>
+          <a:noFill/>
+        </p:spPr>
+        <p:txBody>
+          <a:bodyPr wrap="square" rtlCol="0">
+            <a:spAutoFit/>
+          </a:bodyPr>
+          <a:lstStyle/>
+          <a:p>
+            <a:r>
+              <a:rPr lang="en-US" dirty="0" err="1">
+                <a:solidFill>
+                  <a:schemeClr val="bg1"/>
+                </a:solidFill>
+              </a:rPr>
+              <a:t>Qliksense</a:t>
+            </a:r>
+            <a:r>
+              <a:rPr lang="en-US" dirty="0">
+                <a:solidFill>
+                  <a:schemeClr val="bg1"/>
+                </a:solidFill>
+              </a:rPr>
+              <a:t> Dashboard</a:t>
+            </a:r>
+          </a:p>
+        </p:txBody>
+      </p:sp>
+      <p:pic>
+        <p:nvPicPr>
+          <p:cNvPr id="36" name="Picture 35" descr="A screenshot of a cell phone&#10;&#10;Description automatically generated">
+            <a:extLst>
+              <a:ext uri="{FF2B5EF4-FFF2-40B4-BE49-F238E27FC236}">
+                <a16:creationId xmlns:a16="http://schemas.microsoft.com/office/drawing/2014/main" id="{1C2C70FE-3FBD-4C3C-9E31-00D7C4E89D21}"/>
+              </a:ext>
+            </a:extLst>
+          </p:cNvPr>
+          <p:cNvPicPr>
+            <a:picLocks noChangeAspect="1"/>
+          </p:cNvPicPr>
+          <p:nvPr/>
+        </p:nvPicPr>
+        <p:blipFill>
+          <a:blip r:embed="rId5">
+            <a:extLst>
+              <a:ext uri="{28A0092B-C50C-407E-A947-70E740481C1C}">
+                <a14:useLocalDpi xmlns:a14="http://schemas.microsoft.com/office/drawing/2010/main" val="0"/>
+              </a:ext>
+            </a:extLst>
+          </a:blip>
+          <a:stretch>
+            <a:fillRect/>
+          </a:stretch>
+        </p:blipFill>
+        <p:spPr>
+          <a:xfrm>
+            <a:off x="7930772" y="1056817"/>
+            <a:ext cx="3970930" cy="2389217"/>
+          </a:xfrm>
+          <a:prstGeom prst="rect">
+            <a:avLst/>
+          </a:prstGeom>
+        </p:spPr>
+      </p:pic>
+      <p:sp>
+        <p:nvSpPr>
+          <p:cNvPr id="38" name="TextBox 37">
+            <a:extLst>
+              <a:ext uri="{FF2B5EF4-FFF2-40B4-BE49-F238E27FC236}">
+                <a16:creationId xmlns:a16="http://schemas.microsoft.com/office/drawing/2014/main" id="{22025E6F-A6DD-446E-B85C-20D8C352BCE0}"/>
+              </a:ext>
+            </a:extLst>
+          </p:cNvPr>
+          <p:cNvSpPr txBox="1"/>
+          <p:nvPr/>
+        </p:nvSpPr>
+        <p:spPr>
+          <a:xfrm>
+            <a:off x="7845717" y="452937"/>
+            <a:ext cx="2841523" cy="369332"/>
+          </a:xfrm>
+          <a:prstGeom prst="rect">
+            <a:avLst/>
+          </a:prstGeom>
+          <a:noFill/>
+        </p:spPr>
+        <p:txBody>
+          <a:bodyPr wrap="square" rtlCol="0">
+            <a:spAutoFit/>
+          </a:bodyPr>
+          <a:lstStyle/>
+          <a:p>
+            <a:r>
+              <a:rPr lang="en-US" dirty="0">
+                <a:solidFill>
+                  <a:schemeClr val="bg1"/>
+                </a:solidFill>
+              </a:rPr>
+              <a:t>Power BI</a:t>
+            </a:r>
+          </a:p>
+        </p:txBody>
+      </p:sp>
       <p:cxnSp>
         <p:nvCxnSpPr>
-          <p:cNvPr id="21" name="Connector: Elbow 20">
-            <a:extLst>
-              <a:ext uri="{FF2B5EF4-FFF2-40B4-BE49-F238E27FC236}">
-                <a16:creationId xmlns:a16="http://schemas.microsoft.com/office/drawing/2014/main" id="{FEEB91A2-F035-45B1-AAB4-A614284FB5C3}"/>
-              </a:ext>
-            </a:extLst>
-          </p:cNvPr>
-          <p:cNvCxnSpPr>
-            <a:cxnSpLocks/>
-          </p:cNvCxnSpPr>
+          <p:cNvPr id="4" name="Connector: Elbow 3">
+            <a:extLst>
+              <a:ext uri="{FF2B5EF4-FFF2-40B4-BE49-F238E27FC236}">
+                <a16:creationId xmlns:a16="http://schemas.microsoft.com/office/drawing/2014/main" id="{CCC1BA2D-34F7-48AF-81E0-80BA91BA7185}"/>
+              </a:ext>
+            </a:extLst>
+          </p:cNvPr>
+          <p:cNvCxnSpPr/>
           <p:nvPr/>
         </p:nvCxnSpPr>
         <p:spPr>
-          <a:xfrm>
-            <a:off x="6268358" y="3291840"/>
-            <a:ext cx="1548287" cy="1103179"/>
+          <a:xfrm rot="5400000" flipH="1" flipV="1">
+            <a:off x="6494081" y="3135694"/>
+            <a:ext cx="3938" cy="12700"/>
           </a:xfrm>
           <a:prstGeom prst="bentConnector3">
             <a:avLst/>
           </a:prstGeom>
           <a:ln>
-            <a:headEnd type="triangle"/>
             <a:tailEnd type="triangle"/>
           </a:ln>
         </p:spPr>
@@ -5445,116 +5603,34 @@
           </a:fontRef>
         </p:style>
       </p:cxnSp>
-      <p:pic>
-        <p:nvPicPr>
-          <p:cNvPr id="24" name="Picture 23" descr="A screenshot of a cell phone&#10;&#10;Description automatically generated">
-            <a:extLst>
-              <a:ext uri="{FF2B5EF4-FFF2-40B4-BE49-F238E27FC236}">
-                <a16:creationId xmlns:a16="http://schemas.microsoft.com/office/drawing/2014/main" id="{504D1163-325A-4F25-A5B4-FC7F04B29726}"/>
-              </a:ext>
-            </a:extLst>
-          </p:cNvPr>
-          <p:cNvPicPr>
-            <a:picLocks noChangeAspect="1"/>
-          </p:cNvPicPr>
-          <p:nvPr/>
-        </p:nvPicPr>
-        <p:blipFill>
-          <a:blip r:embed="rId4">
-            <a:extLst>
-              <a:ext uri="{28A0092B-C50C-407E-A947-70E740481C1C}">
-                <a14:useLocalDpi xmlns:a14="http://schemas.microsoft.com/office/drawing/2010/main" val="0"/>
-              </a:ext>
-            </a:extLst>
-          </a:blip>
-          <a:stretch>
-            <a:fillRect/>
-          </a:stretch>
-        </p:blipFill>
-        <p:spPr>
-          <a:xfrm>
-            <a:off x="7952032" y="3852578"/>
-            <a:ext cx="3895839" cy="1986878"/>
-          </a:xfrm>
-          <a:prstGeom prst="rect">
-            <a:avLst/>
-          </a:prstGeom>
-        </p:spPr>
-      </p:pic>
-      <p:sp>
-        <p:nvSpPr>
-          <p:cNvPr id="28" name="TextBox 27">
-            <a:extLst>
-              <a:ext uri="{FF2B5EF4-FFF2-40B4-BE49-F238E27FC236}">
-                <a16:creationId xmlns:a16="http://schemas.microsoft.com/office/drawing/2014/main" id="{682639E3-DDEF-46BD-A5C5-44B7DF0FFB40}"/>
-              </a:ext>
-            </a:extLst>
-          </p:cNvPr>
-          <p:cNvSpPr txBox="1"/>
-          <p:nvPr/>
-        </p:nvSpPr>
-        <p:spPr>
-          <a:xfrm>
-            <a:off x="8259097" y="6223819"/>
-            <a:ext cx="2320413" cy="369332"/>
-          </a:xfrm>
-          <a:prstGeom prst="rect">
-            <a:avLst/>
-          </a:prstGeom>
-          <a:noFill/>
-        </p:spPr>
-        <p:txBody>
-          <a:bodyPr wrap="square" rtlCol="0">
-            <a:spAutoFit/>
-          </a:bodyPr>
-          <a:lstStyle/>
-          <a:p>
-            <a:r>
-              <a:rPr lang="en-US" dirty="0" err="1">
-                <a:solidFill>
-                  <a:schemeClr val="bg1"/>
-                </a:solidFill>
-              </a:rPr>
-              <a:t>Qliksense</a:t>
-            </a:r>
-            <a:r>
-              <a:rPr lang="en-US" dirty="0">
-                <a:solidFill>
-                  <a:schemeClr val="bg1"/>
-                </a:solidFill>
-              </a:rPr>
-              <a:t> Dashboard</a:t>
-            </a:r>
-          </a:p>
-        </p:txBody>
-      </p:sp>
       <p:cxnSp>
         <p:nvCxnSpPr>
-          <p:cNvPr id="29" name="Connector: Elbow 28">
-            <a:extLst>
-              <a:ext uri="{FF2B5EF4-FFF2-40B4-BE49-F238E27FC236}">
-                <a16:creationId xmlns:a16="http://schemas.microsoft.com/office/drawing/2014/main" id="{A9C2F0B7-F826-4F80-BAAF-9C0B1E95F62C}"/>
+          <p:cNvPr id="10" name="Connector: Elbow 9">
+            <a:extLst>
+              <a:ext uri="{FF2B5EF4-FFF2-40B4-BE49-F238E27FC236}">
+                <a16:creationId xmlns:a16="http://schemas.microsoft.com/office/drawing/2014/main" id="{DAAFBA54-D1F1-4940-93DC-4C12CA4FD16E}"/>
               </a:ext>
             </a:extLst>
           </p:cNvPr>
           <p:cNvCxnSpPr>
             <a:cxnSpLocks/>
-            <a:stCxn id="16" idx="3"/>
           </p:cNvCxnSpPr>
           <p:nvPr/>
         </p:nvCxnSpPr>
         <p:spPr>
-          <a:xfrm flipV="1">
-            <a:off x="6239286" y="2277533"/>
-            <a:ext cx="1483528" cy="860130"/>
+          <a:xfrm>
+            <a:off x="6300929" y="3291840"/>
+            <a:ext cx="1683674" cy="1749322"/>
           </a:xfrm>
           <a:prstGeom prst="bentConnector3">
             <a:avLst>
-              <a:gd name="adj1" fmla="val 54639"/>
+              <a:gd name="adj1" fmla="val 50000"/>
             </a:avLst>
           </a:prstGeom>
           <a:ln>
-            <a:headEnd type="triangle"/>
+            <a:solidFill>
+              <a:schemeClr val="bg1"/>
+            </a:solidFill>
             <a:tailEnd type="triangle"/>
           </a:ln>
         </p:spPr>
@@ -5573,81 +5649,52 @@
           </a:fontRef>
         </p:style>
       </p:cxnSp>
-      <p:pic>
-        <p:nvPicPr>
-          <p:cNvPr id="36" name="Picture 35" descr="A screenshot of a cell phone&#10;&#10;Description automatically generated">
-            <a:extLst>
-              <a:ext uri="{FF2B5EF4-FFF2-40B4-BE49-F238E27FC236}">
-                <a16:creationId xmlns:a16="http://schemas.microsoft.com/office/drawing/2014/main" id="{1C2C70FE-3FBD-4C3C-9E31-00D7C4E89D21}"/>
-              </a:ext>
-            </a:extLst>
-          </p:cNvPr>
-          <p:cNvPicPr>
-            <a:picLocks noChangeAspect="1"/>
-          </p:cNvPicPr>
+      <p:cxnSp>
+        <p:nvCxnSpPr>
+          <p:cNvPr id="22" name="Connector: Elbow 21">
+            <a:extLst>
+              <a:ext uri="{FF2B5EF4-FFF2-40B4-BE49-F238E27FC236}">
+                <a16:creationId xmlns:a16="http://schemas.microsoft.com/office/drawing/2014/main" id="{BF6DC0B6-5056-43EF-8800-37D4F207F2AF}"/>
+              </a:ext>
+            </a:extLst>
+          </p:cNvPr>
+          <p:cNvCxnSpPr>
+            <a:cxnSpLocks/>
+          </p:cNvCxnSpPr>
           <p:nvPr/>
-        </p:nvPicPr>
-        <p:blipFill>
-          <a:blip r:embed="rId5">
-            <a:extLst>
-              <a:ext uri="{28A0092B-C50C-407E-A947-70E740481C1C}">
-                <a14:useLocalDpi xmlns:a14="http://schemas.microsoft.com/office/drawing/2010/main" val="0"/>
-              </a:ext>
-            </a:extLst>
-          </a:blip>
-          <a:stretch>
-            <a:fillRect/>
-          </a:stretch>
-        </p:blipFill>
+        </p:nvCxnSpPr>
         <p:spPr>
-          <a:xfrm>
-            <a:off x="7845717" y="1039782"/>
-            <a:ext cx="3970930" cy="2389217"/>
+          <a:xfrm flipV="1">
+            <a:off x="6237424" y="1831786"/>
+            <a:ext cx="1683674" cy="1129040"/>
           </a:xfrm>
-          <a:prstGeom prst="rect">
-            <a:avLst/>
+          <a:prstGeom prst="bentConnector3">
+            <a:avLst>
+              <a:gd name="adj1" fmla="val 50000"/>
+            </a:avLst>
           </a:prstGeom>
+          <a:ln>
+            <a:solidFill>
+              <a:schemeClr val="bg1"/>
+            </a:solidFill>
+            <a:tailEnd type="triangle"/>
+          </a:ln>
         </p:spPr>
-      </p:pic>
-      <p:sp>
-        <p:nvSpPr>
-          <p:cNvPr id="38" name="TextBox 37">
-            <a:extLst>
-              <a:ext uri="{FF2B5EF4-FFF2-40B4-BE49-F238E27FC236}">
-                <a16:creationId xmlns:a16="http://schemas.microsoft.com/office/drawing/2014/main" id="{22025E6F-A6DD-446E-B85C-20D8C352BCE0}"/>
-              </a:ext>
-            </a:extLst>
-          </p:cNvPr>
-          <p:cNvSpPr txBox="1"/>
-          <p:nvPr/>
-        </p:nvSpPr>
-        <p:spPr>
-          <a:xfrm>
-            <a:off x="7845717" y="452937"/>
-            <a:ext cx="2841523" cy="369332"/>
-          </a:xfrm>
-          <a:prstGeom prst="rect">
-            <a:avLst/>
-          </a:prstGeom>
-          <a:noFill/>
-        </p:spPr>
-        <p:txBody>
-          <a:bodyPr wrap="square" rtlCol="0">
-            <a:spAutoFit/>
-          </a:bodyPr>
-          <a:lstStyle/>
-          <a:p>
-            <a:r>
-              <a:rPr lang="en-US" dirty="0">
-                <a:solidFill>
-                  <a:schemeClr val="bg1"/>
-                </a:solidFill>
-              </a:rPr>
-              <a:t>Power BI</a:t>
-            </a:r>
-          </a:p>
-        </p:txBody>
-      </p:sp>
+        <p:style>
+          <a:lnRef idx="1">
+            <a:schemeClr val="accent1"/>
+          </a:lnRef>
+          <a:fillRef idx="0">
+            <a:schemeClr val="accent1"/>
+          </a:fillRef>
+          <a:effectRef idx="0">
+            <a:schemeClr val="accent1"/>
+          </a:effectRef>
+          <a:fontRef idx="minor">
+            <a:schemeClr val="tx1"/>
+          </a:fontRef>
+        </p:style>
+      </p:cxnSp>
     </p:spTree>
     <p:extLst>
       <p:ext uri="{BB962C8B-B14F-4D97-AF65-F5344CB8AC3E}">
@@ -5696,13 +5743,11 @@
         </p:nvSpPr>
         <p:spPr/>
         <p:txBody>
-          <a:bodyPr>
-            <a:normAutofit/>
-          </a:bodyPr>
-          <a:lstStyle/>
-          <a:p>
-            <a:r>
-              <a:rPr lang="en-US" sz="4000" b="1" i="1" dirty="0"/>
+          <a:bodyPr/>
+          <a:lstStyle/>
+          <a:p>
+            <a:r>
+              <a:rPr lang="en-US" dirty="0"/>
               <a:t>POWER BI DASHBOARD</a:t>
             </a:r>
           </a:p>
@@ -5724,7 +5769,7 @@
             <p:ph idx="1"/>
           </p:nvPr>
         </p:nvPicPr>
-        <p:blipFill rotWithShape="1">
+        <p:blipFill>
           <a:blip r:embed="rId2">
             <a:extLst>
               <a:ext uri="{28A0092B-C50C-407E-A947-70E740481C1C}">
@@ -5732,20 +5777,21 @@
               </a:ext>
             </a:extLst>
           </a:blip>
-          <a:srcRect r="2989"/>
-          <a:stretch/>
+          <a:stretch>
+            <a:fillRect/>
+          </a:stretch>
         </p:blipFill>
         <p:spPr>
           <a:xfrm>
             <a:off x="1057275" y="1471613"/>
-            <a:ext cx="10201275" cy="5186361"/>
+            <a:ext cx="10515599" cy="5186361"/>
           </a:xfrm>
         </p:spPr>
       </p:pic>
     </p:spTree>
     <p:extLst>
       <p:ext uri="{BB962C8B-B14F-4D97-AF65-F5344CB8AC3E}">
-        <p14:creationId xmlns:p14="http://schemas.microsoft.com/office/powerpoint/2010/main" val="382899635"/>
+        <p14:creationId xmlns:p14="http://schemas.microsoft.com/office/powerpoint/2010/main" val="41084956"/>
       </p:ext>
     </p:extLst>
   </p:cSld>
@@ -5795,13 +5841,11 @@
           </a:xfrm>
         </p:spPr>
         <p:txBody>
-          <a:bodyPr>
-            <a:normAutofit/>
-          </a:bodyPr>
-          <a:lstStyle/>
-          <a:p>
-            <a:r>
-              <a:rPr lang="en-US" sz="4000" b="1" i="1" dirty="0"/>
+          <a:bodyPr/>
+          <a:lstStyle/>
+          <a:p>
+            <a:r>
+              <a:rPr lang="en-US" dirty="0"/>
               <a:t>POWER BI DASHBOARD</a:t>
             </a:r>
           </a:p>
@@ -5967,19 +6011,19 @@
           <a:lstStyle/>
           <a:p>
             <a:r>
-              <a:rPr lang="en-US" b="1" i="1" dirty="0"/>
+              <a:rPr lang="en-US" dirty="0"/>
               <a:t>QLIKSENSE DASHBOARD</a:t>
             </a:r>
             <a:br>
-              <a:rPr lang="en-US" b="1" i="1" dirty="0"/>
+              <a:rPr lang="en-US" dirty="0"/>
             </a:br>
             <a:r>
-              <a:rPr lang="en-US" sz="2700" b="1" i="1" dirty="0">
+              <a:rPr lang="en-US" sz="2700" dirty="0">
                 <a:hlinkClick r:id="rId5"/>
               </a:rPr>
               <a:t>https://us.qlikcloud.com/hub/personal</a:t>
             </a:r>
-            <a:endParaRPr lang="en-US" sz="2700" b="1" i="1" dirty="0"/>
+            <a:endParaRPr lang="en-US" sz="2700" dirty="0"/>
           </a:p>
         </p:txBody>
       </p:sp>
@@ -6075,13 +6119,11 @@
           </a:xfrm>
         </p:spPr>
         <p:txBody>
-          <a:bodyPr>
-            <a:normAutofit/>
-          </a:bodyPr>
-          <a:lstStyle/>
-          <a:p>
-            <a:r>
-              <a:rPr lang="en-US" sz="4000" b="1" i="1" dirty="0"/>
+          <a:bodyPr/>
+          <a:lstStyle/>
+          <a:p>
+            <a:r>
+              <a:rPr lang="en-US" dirty="0"/>
               <a:t>QLIKSENSE DASHBOARD</a:t>
             </a:r>
           </a:p>
@@ -6098,14 +6140,6 @@
 <file path=ppt/slides/slide9.xml><?xml version="1.0" encoding="utf-8"?>
 <p:sld xmlns:a="http://schemas.openxmlformats.org/drawingml/2006/main" xmlns:r="http://schemas.openxmlformats.org/officeDocument/2006/relationships" xmlns:p="http://schemas.openxmlformats.org/presentationml/2006/main">
   <p:cSld>
-    <p:bg>
-      <p:bgPr>
-        <a:solidFill>
-          <a:srgbClr val="3F3F3F"/>
-        </a:solidFill>
-        <a:effectLst/>
-      </p:bgPr>
-    </p:bg>
     <p:spTree>
       <p:nvGrpSpPr>
         <p:cNvPr id="1" name=""/>
@@ -6135,37 +6169,37 @@
           <p:nvPr>
             <p:extLst>
               <p:ext uri="{D42A27DB-BD31-4B8C-83A1-F6EECF244321}">
-                <p14:modId xmlns:p14="http://schemas.microsoft.com/office/powerpoint/2010/main" val="626635517"/>
+                <p14:modId xmlns:p14="http://schemas.microsoft.com/office/powerpoint/2010/main" val="3347564467"/>
               </p:ext>
             </p:extLst>
           </p:nvPr>
         </p:nvGraphicFramePr>
         <p:xfrm>
-          <a:off x="949911" y="1457162"/>
-          <a:ext cx="9632272" cy="5008828"/>
+          <a:off x="1085851" y="729191"/>
+          <a:ext cx="9102723" cy="5008828"/>
         </p:xfrm>
         <a:graphic>
           <a:graphicData uri="http://schemas.openxmlformats.org/drawingml/2006/table">
             <a:tbl>
               <a:tblPr firstRow="1" bandRow="1">
-                <a:tableStyleId>{073A0DAA-6AF3-43AB-8588-CEC1D06C72B9}</a:tableStyleId>
+                <a:tableStyleId>{5C22544A-7EE6-4342-B048-85BDC9FD1C3A}</a:tableStyleId>
               </a:tblPr>
               <a:tblGrid>
-                <a:gridCol w="3356344">
+                <a:gridCol w="3171824">
                   <a:extLst>
                     <a:ext uri="{9D8B030D-6E8A-4147-A177-3AD203B41FA5}">
                       <a16:colId xmlns:a16="http://schemas.microsoft.com/office/drawing/2014/main" val="3616052071"/>
                     </a:ext>
                   </a:extLst>
                 </a:gridCol>
-                <a:gridCol w="3235396">
+                <a:gridCol w="3057525">
                   <a:extLst>
                     <a:ext uri="{9D8B030D-6E8A-4147-A177-3AD203B41FA5}">
                       <a16:colId xmlns:a16="http://schemas.microsoft.com/office/drawing/2014/main" val="3124378783"/>
                     </a:ext>
                   </a:extLst>
                 </a:gridCol>
-                <a:gridCol w="3040532">
+                <a:gridCol w="2873374">
                   <a:extLst>
                     <a:ext uri="{9D8B030D-6E8A-4147-A177-3AD203B41FA5}">
                       <a16:colId xmlns:a16="http://schemas.microsoft.com/office/drawing/2014/main" val="4145957832"/>
@@ -6179,7 +6213,6 @@
                     <a:bodyPr/>
                     <a:lstStyle/>
                     <a:p>
-                      <a:pPr algn="ctr"/>
                       <a:r>
                         <a:rPr lang="en-US" dirty="0"/>
                         <a:t>FEATURES</a:t>
@@ -6193,7 +6226,6 @@
                     <a:bodyPr/>
                     <a:lstStyle/>
                     <a:p>
-                      <a:pPr algn="ctr"/>
                       <a:r>
                         <a:rPr lang="en-US" dirty="0"/>
                         <a:t>POWER BI</a:t>
@@ -6207,7 +6239,6 @@
                     <a:bodyPr/>
                     <a:lstStyle/>
                     <a:p>
-                      <a:pPr algn="ctr"/>
                       <a:r>
                         <a:rPr lang="en-US" dirty="0"/>
                         <a:t>QLIKSENSE</a:t>
@@ -6228,7 +6259,6 @@
                     <a:bodyPr/>
                     <a:lstStyle/>
                     <a:p>
-                      <a:pPr algn="l"/>
                       <a:r>
                         <a:rPr lang="en-US" dirty="0"/>
                         <a:t>DATA LOAD TRANSFORMATION</a:t>
@@ -6242,7 +6272,6 @@
                     <a:bodyPr/>
                     <a:lstStyle/>
                     <a:p>
-                      <a:pPr algn="ctr"/>
                       <a:r>
                         <a:rPr lang="en-US" dirty="0"/>
                         <a:t>VERY GOOD</a:t>
@@ -6256,7 +6285,6 @@
                     <a:bodyPr/>
                     <a:lstStyle/>
                     <a:p>
-                      <a:pPr algn="ctr"/>
                       <a:r>
                         <a:rPr lang="en-US" dirty="0"/>
                         <a:t>EXCELLENT</a:t>
@@ -6277,7 +6305,6 @@
                     <a:bodyPr/>
                     <a:lstStyle/>
                     <a:p>
-                      <a:pPr algn="l"/>
                       <a:r>
                         <a:rPr lang="en-US" dirty="0"/>
                         <a:t>MEASURES</a:t>
@@ -6291,7 +6318,7 @@
                     <a:bodyPr/>
                     <a:lstStyle/>
                     <a:p>
-                      <a:pPr marL="0" marR="0" lvl="0" indent="0" algn="ctr" defTabSz="914400" rtl="0" eaLnBrk="1" fontAlgn="auto" latinLnBrk="0" hangingPunct="1">
+                      <a:pPr marL="0" marR="0" lvl="0" indent="0" algn="l" defTabSz="914400" rtl="0" eaLnBrk="1" fontAlgn="auto" latinLnBrk="0" hangingPunct="1">
                         <a:lnSpc>
                           <a:spcPct val="100000"/>
                         </a:lnSpc>
@@ -6321,7 +6348,7 @@
                     <a:bodyPr/>
                     <a:lstStyle/>
                     <a:p>
-                      <a:pPr marL="0" marR="0" lvl="0" indent="0" algn="ctr" defTabSz="914400" rtl="0" eaLnBrk="1" fontAlgn="auto" latinLnBrk="0" hangingPunct="1">
+                      <a:pPr marL="0" marR="0" lvl="0" indent="0" algn="l" defTabSz="914400" rtl="0" eaLnBrk="1" fontAlgn="auto" latinLnBrk="0" hangingPunct="1">
                         <a:lnSpc>
                           <a:spcPct val="100000"/>
                         </a:lnSpc>
@@ -6358,7 +6385,6 @@
                     <a:bodyPr/>
                     <a:lstStyle/>
                     <a:p>
-                      <a:pPr algn="l"/>
                       <a:r>
                         <a:rPr lang="en-US" dirty="0"/>
                         <a:t>SEARCHING</a:t>
@@ -6372,7 +6398,6 @@
                     <a:bodyPr/>
                     <a:lstStyle/>
                     <a:p>
-                      <a:pPr algn="ctr"/>
                       <a:r>
                         <a:rPr lang="en-US" dirty="0"/>
                         <a:t>ADEQUATE</a:t>
@@ -6386,7 +6411,7 @@
                     <a:bodyPr/>
                     <a:lstStyle/>
                     <a:p>
-                      <a:pPr marL="0" marR="0" lvl="0" indent="0" algn="ctr" defTabSz="914400" rtl="0" eaLnBrk="1" fontAlgn="auto" latinLnBrk="0" hangingPunct="1">
+                      <a:pPr marL="0" marR="0" lvl="0" indent="0" algn="l" defTabSz="914400" rtl="0" eaLnBrk="1" fontAlgn="auto" latinLnBrk="0" hangingPunct="1">
                         <a:lnSpc>
                           <a:spcPct val="100000"/>
                         </a:lnSpc>
@@ -6423,7 +6448,6 @@
                     <a:bodyPr/>
                     <a:lstStyle/>
                     <a:p>
-                      <a:pPr algn="l"/>
                       <a:r>
                         <a:rPr lang="en-US" dirty="0"/>
                         <a:t>CLOUD FREE</a:t>
@@ -6437,7 +6461,6 @@
                     <a:bodyPr/>
                     <a:lstStyle/>
                     <a:p>
-                      <a:pPr algn="ctr"/>
                       <a:r>
                         <a:rPr lang="en-US" dirty="0"/>
                         <a:t>YES FOR 1</a:t>
@@ -6451,7 +6474,6 @@
                     <a:bodyPr/>
                     <a:lstStyle/>
                     <a:p>
-                      <a:pPr algn="ctr"/>
                       <a:r>
                         <a:rPr lang="en-US" dirty="0"/>
                         <a:t>YES SHARE 5</a:t>
@@ -6472,7 +6494,6 @@
                     <a:bodyPr/>
                     <a:lstStyle/>
                     <a:p>
-                      <a:pPr algn="l"/>
                       <a:r>
                         <a:rPr lang="en-US" dirty="0"/>
                         <a:t>ADJUSTING DIFF SCREEN SIZE</a:t>
@@ -6486,7 +6507,6 @@
                     <a:bodyPr/>
                     <a:lstStyle/>
                     <a:p>
-                      <a:pPr algn="ctr"/>
                       <a:r>
                         <a:rPr lang="en-US" dirty="0"/>
                         <a:t>GOOD</a:t>
@@ -6500,7 +6520,6 @@
                     <a:bodyPr/>
                     <a:lstStyle/>
                     <a:p>
-                      <a:pPr algn="ctr"/>
                       <a:r>
                         <a:rPr lang="en-US" dirty="0"/>
                         <a:t>EXCELLENT</a:t>
@@ -6521,7 +6540,6 @@
                     <a:bodyPr/>
                     <a:lstStyle/>
                     <a:p>
-                      <a:pPr algn="l"/>
                       <a:r>
                         <a:rPr lang="en-US" dirty="0"/>
                         <a:t>DATA LOAD TIME</a:t>
@@ -6535,7 +6553,6 @@
                     <a:bodyPr/>
                     <a:lstStyle/>
                     <a:p>
-                      <a:pPr algn="ctr"/>
                       <a:r>
                         <a:rPr lang="en-US" dirty="0"/>
                         <a:t>BIT SLOW</a:t>
@@ -6549,7 +6566,6 @@
                     <a:bodyPr/>
                     <a:lstStyle/>
                     <a:p>
-                      <a:pPr algn="ctr"/>
                       <a:r>
                         <a:rPr lang="en-US" dirty="0"/>
                         <a:t>VERY FAST</a:t>
@@ -6570,7 +6586,6 @@
                     <a:bodyPr/>
                     <a:lstStyle/>
                     <a:p>
-                      <a:pPr algn="l"/>
                       <a:r>
                         <a:rPr lang="en-US" dirty="0"/>
                         <a:t>PRINT EXPORT</a:t>
@@ -6584,7 +6599,6 @@
                     <a:bodyPr/>
                     <a:lstStyle/>
                     <a:p>
-                      <a:pPr algn="ctr"/>
                       <a:r>
                         <a:rPr lang="en-US" dirty="0"/>
                         <a:t>ADEQUATE</a:t>
@@ -6598,7 +6612,6 @@
                     <a:bodyPr/>
                     <a:lstStyle/>
                     <a:p>
-                      <a:pPr algn="ctr"/>
                       <a:r>
                         <a:rPr lang="en-US" dirty="0"/>
                         <a:t>GOOD</a:t>
@@ -6619,7 +6632,6 @@
                     <a:bodyPr/>
                     <a:lstStyle/>
                     <a:p>
-                      <a:pPr algn="l"/>
                       <a:r>
                         <a:rPr lang="en-US" dirty="0"/>
                         <a:t>NULL HANDLING</a:t>
@@ -6633,7 +6645,6 @@
                     <a:bodyPr/>
                     <a:lstStyle/>
                     <a:p>
-                      <a:pPr algn="ctr"/>
                       <a:r>
                         <a:rPr lang="en-US" dirty="0"/>
                         <a:t>GOOD</a:t>
@@ -6647,7 +6658,6 @@
                     <a:bodyPr/>
                     <a:lstStyle/>
                     <a:p>
-                      <a:pPr algn="ctr"/>
                       <a:r>
                         <a:rPr lang="en-US" dirty="0"/>
                         <a:t>DIFFICULT</a:t>
@@ -6668,7 +6678,6 @@
                     <a:bodyPr/>
                     <a:lstStyle/>
                     <a:p>
-                      <a:pPr algn="l"/>
                       <a:r>
                         <a:rPr lang="en-US" dirty="0"/>
                         <a:t>PIVOT TABLES</a:t>
@@ -6682,7 +6691,6 @@
                     <a:bodyPr/>
                     <a:lstStyle/>
                     <a:p>
-                      <a:pPr algn="ctr"/>
                       <a:r>
                         <a:rPr lang="en-US" dirty="0"/>
                         <a:t>GOOD</a:t>
@@ -6696,7 +6704,6 @@
                     <a:bodyPr/>
                     <a:lstStyle/>
                     <a:p>
-                      <a:pPr algn="ctr"/>
                       <a:r>
                         <a:rPr lang="en-US" dirty="0"/>
                         <a:t>VERY GOOD</a:t>
@@ -6717,7 +6724,6 @@
                     <a:bodyPr/>
                     <a:lstStyle/>
                     <a:p>
-                      <a:pPr algn="l"/>
                       <a:r>
                         <a:rPr lang="en-US" dirty="0"/>
                         <a:t>DRILL DOWN</a:t>
@@ -6731,7 +6737,6 @@
                     <a:bodyPr/>
                     <a:lstStyle/>
                     <a:p>
-                      <a:pPr algn="ctr"/>
                       <a:r>
                         <a:rPr lang="en-US" dirty="0"/>
                         <a:t>GOOD</a:t>
@@ -6745,7 +6750,6 @@
                     <a:bodyPr/>
                     <a:lstStyle/>
                     <a:p>
-                      <a:pPr algn="ctr"/>
                       <a:r>
                         <a:rPr lang="en-US" dirty="0"/>
                         <a:t>GOOD</a:t>
@@ -6764,119 +6768,6 @@
           </a:graphicData>
         </a:graphic>
       </p:graphicFrame>
-      <p:sp>
-        <p:nvSpPr>
-          <p:cNvPr id="2" name="Title 1">
-            <a:extLst>
-              <a:ext uri="{FF2B5EF4-FFF2-40B4-BE49-F238E27FC236}">
-                <a16:creationId xmlns:a16="http://schemas.microsoft.com/office/drawing/2014/main" id="{9A44FFAA-6D2B-422A-8329-D2AAAC4AFF2C}"/>
-              </a:ext>
-            </a:extLst>
-          </p:cNvPr>
-          <p:cNvSpPr>
-            <a:spLocks noGrp="1"/>
-          </p:cNvSpPr>
-          <p:nvPr>
-            <p:ph type="title"/>
-          </p:nvPr>
-        </p:nvSpPr>
-        <p:spPr/>
-        <p:txBody>
-          <a:bodyPr/>
-          <a:lstStyle/>
-          <a:p>
-            <a:r>
-              <a:rPr lang="en-CA" b="1" dirty="0">
-                <a:solidFill>
-                  <a:schemeClr val="bg1"/>
-                </a:solidFill>
-              </a:rPr>
-              <a:t>               vs.</a:t>
-            </a:r>
-          </a:p>
-        </p:txBody>
-      </p:sp>
-      <p:pic>
-        <p:nvPicPr>
-          <p:cNvPr id="4" name="Picture 3">
-            <a:extLst>
-              <a:ext uri="{FF2B5EF4-FFF2-40B4-BE49-F238E27FC236}">
-                <a16:creationId xmlns:a16="http://schemas.microsoft.com/office/drawing/2014/main" id="{11261F19-42A8-4399-9E88-B012012750F8}"/>
-              </a:ext>
-            </a:extLst>
-          </p:cNvPr>
-          <p:cNvPicPr>
-            <a:picLocks noChangeAspect="1"/>
-          </p:cNvPicPr>
-          <p:nvPr/>
-        </p:nvPicPr>
-        <p:blipFill>
-          <a:blip r:embed="rId2">
-            <a:extLst>
-              <a:ext uri="{BEBA8EAE-BF5A-486C-A8C5-ECC9F3942E4B}">
-                <a14:imgProps xmlns:a14="http://schemas.microsoft.com/office/drawing/2010/main">
-                  <a14:imgLayer r:embed="rId3">
-                    <a14:imgEffect>
-                      <a14:sharpenSoften amount="-50000"/>
-                    </a14:imgEffect>
-                  </a14:imgLayer>
-                </a14:imgProps>
-              </a:ext>
-              <a:ext uri="{28A0092B-C50C-407E-A947-70E740481C1C}">
-                <a14:useLocalDpi xmlns:a14="http://schemas.microsoft.com/office/drawing/2010/main" val="0"/>
-              </a:ext>
-            </a:extLst>
-          </a:blip>
-          <a:stretch>
-            <a:fillRect/>
-          </a:stretch>
-        </p:blipFill>
-        <p:spPr>
-          <a:xfrm>
-            <a:off x="952500" y="576038"/>
-            <a:ext cx="1695450" cy="690048"/>
-          </a:xfrm>
-          <a:prstGeom prst="rect">
-            <a:avLst/>
-          </a:prstGeom>
-        </p:spPr>
-      </p:pic>
-      <p:pic>
-        <p:nvPicPr>
-          <p:cNvPr id="7" name="Picture 6">
-            <a:extLst>
-              <a:ext uri="{FF2B5EF4-FFF2-40B4-BE49-F238E27FC236}">
-                <a16:creationId xmlns:a16="http://schemas.microsoft.com/office/drawing/2014/main" id="{049C257A-BB51-4D00-8BCE-5F46986E27D4}"/>
-              </a:ext>
-            </a:extLst>
-          </p:cNvPr>
-          <p:cNvPicPr>
-            <a:picLocks noChangeAspect="1"/>
-          </p:cNvPicPr>
-          <p:nvPr/>
-        </p:nvPicPr>
-        <p:blipFill>
-          <a:blip r:embed="rId4">
-            <a:extLst>
-              <a:ext uri="{28A0092B-C50C-407E-A947-70E740481C1C}">
-                <a14:useLocalDpi xmlns:a14="http://schemas.microsoft.com/office/drawing/2010/main" val="0"/>
-              </a:ext>
-            </a:extLst>
-          </a:blip>
-          <a:stretch>
-            <a:fillRect/>
-          </a:stretch>
-        </p:blipFill>
-        <p:spPr>
-          <a:xfrm>
-            <a:off x="3601212" y="575462"/>
-            <a:ext cx="2177822" cy="691200"/>
-          </a:xfrm>
-          <a:prstGeom prst="rect">
-            <a:avLst/>
-          </a:prstGeom>
-        </p:spPr>
-      </p:pic>
     </p:spTree>
     <p:extLst>
       <p:ext uri="{BB962C8B-B14F-4D97-AF65-F5344CB8AC3E}">

--- a/Final_presentation.pptx
+++ b/Final_presentation.pptx
@@ -3371,13 +3371,16 @@
         </p:spPr>
         <p:txBody>
           <a:bodyPr anchor="t">
-            <a:normAutofit/>
+            <a:normAutofit fontScale="90000"/>
           </a:bodyPr>
           <a:lstStyle/>
           <a:p>
             <a:pPr algn="l"/>
             <a:r>
-              <a:rPr lang="en-US" sz="4800"/>
+              <a:rPr lang="en-US" sz="4800" dirty="0">
+                <a:latin typeface="Arial" panose="020B0604020202020204" pitchFamily="34" charset="0"/>
+                <a:cs typeface="Arial" panose="020B0604020202020204" pitchFamily="34" charset="0"/>
+              </a:rPr>
               <a:t>Dining Out : Places to eat near University of Toronto</a:t>
             </a:r>
           </a:p>
@@ -3412,15 +3415,20 @@
           <a:lstStyle/>
           <a:p>
             <a:pPr algn="l"/>
-            <a:endParaRPr lang="en-US" sz="2000"/>
+            <a:endParaRPr lang="en-US" sz="2000" dirty="0">
+              <a:latin typeface="Arial" panose="020B0604020202020204" pitchFamily="34" charset="0"/>
+              <a:cs typeface="Arial" panose="020B0604020202020204" pitchFamily="34" charset="0"/>
+            </a:endParaRPr>
           </a:p>
           <a:p>
             <a:pPr algn="l"/>
             <a:r>
-              <a:rPr lang="en-US" sz="2000"/>
+              <a:rPr lang="en-US" sz="2000" dirty="0">
+                <a:latin typeface="Arial" panose="020B0604020202020204" pitchFamily="34" charset="0"/>
+                <a:cs typeface="Arial" panose="020B0604020202020204" pitchFamily="34" charset="0"/>
+              </a:rPr>
               <a:t>Purnima Chandel and Swati Madan</a:t>
             </a:r>
-            <a:endParaRPr lang="en-US" sz="2000" dirty="0"/>
           </a:p>
         </p:txBody>
       </p:sp>
@@ -4343,7 +4351,10 @@
           <a:lstStyle/>
           <a:p>
             <a:r>
-              <a:rPr lang="en-US" dirty="0"/>
+              <a:rPr lang="en-US" dirty="0">
+                <a:latin typeface="Arial" panose="020B0604020202020204" pitchFamily="34" charset="0"/>
+                <a:cs typeface="Arial" panose="020B0604020202020204" pitchFamily="34" charset="0"/>
+              </a:rPr>
               <a:t>Project Description</a:t>
             </a:r>
           </a:p>
@@ -4381,15 +4392,24 @@
               <a:buNone/>
             </a:pPr>
             <a:r>
-              <a:rPr lang="en-US" sz="2000" dirty="0"/>
+              <a:rPr lang="en-US" sz="2000" dirty="0">
+                <a:latin typeface="Arial" panose="020B0604020202020204" pitchFamily="34" charset="0"/>
+                <a:cs typeface="Arial" panose="020B0604020202020204" pitchFamily="34" charset="0"/>
+              </a:rPr>
               <a:t>We are exploring two visualization tools – Power BI and </a:t>
             </a:r>
             <a:r>
-              <a:rPr lang="en-US" sz="2000" dirty="0" err="1"/>
+              <a:rPr lang="en-US" sz="2000" dirty="0" err="1">
+                <a:latin typeface="Arial" panose="020B0604020202020204" pitchFamily="34" charset="0"/>
+                <a:cs typeface="Arial" panose="020B0604020202020204" pitchFamily="34" charset="0"/>
+              </a:rPr>
               <a:t>Qliksense</a:t>
             </a:r>
             <a:r>
-              <a:rPr lang="en-US" sz="2000" dirty="0"/>
+              <a:rPr lang="en-US" sz="2000" dirty="0">
+                <a:latin typeface="Arial" panose="020B0604020202020204" pitchFamily="34" charset="0"/>
+                <a:cs typeface="Arial" panose="020B0604020202020204" pitchFamily="34" charset="0"/>
+              </a:rPr>
               <a:t>. </a:t>
             </a:r>
           </a:p>
@@ -4398,7 +4418,10 @@
               <a:buNone/>
             </a:pPr>
             <a:r>
-              <a:rPr lang="en-US" sz="2000" dirty="0"/>
+              <a:rPr lang="en-US" sz="2000" dirty="0">
+                <a:latin typeface="Arial" panose="020B0604020202020204" pitchFamily="34" charset="0"/>
+                <a:cs typeface="Arial" panose="020B0604020202020204" pitchFamily="34" charset="0"/>
+              </a:rPr>
               <a:t>We used Yelp API to determine which restaurants are most popular near University of Toronto.</a:t>
             </a:r>
           </a:p>
@@ -4407,27 +4430,45 @@
               <a:buNone/>
             </a:pPr>
             <a:r>
-              <a:rPr lang="en-US" sz="2000" dirty="0"/>
+              <a:rPr lang="en-US" sz="2000" dirty="0">
+                <a:latin typeface="Arial" panose="020B0604020202020204" pitchFamily="34" charset="0"/>
+                <a:cs typeface="Arial" panose="020B0604020202020204" pitchFamily="34" charset="0"/>
+              </a:rPr>
               <a:t> We would like to know where the </a:t>
             </a:r>
             <a:r>
-              <a:rPr lang="en-US" sz="2000" dirty="0" err="1"/>
+              <a:rPr lang="en-US" sz="2000" dirty="0" err="1">
+                <a:latin typeface="Arial" panose="020B0604020202020204" pitchFamily="34" charset="0"/>
+                <a:cs typeface="Arial" panose="020B0604020202020204" pitchFamily="34" charset="0"/>
+              </a:rPr>
               <a:t>UofT</a:t>
             </a:r>
             <a:r>
-              <a:rPr lang="en-US" sz="2000" dirty="0"/>
+              <a:rPr lang="en-US" sz="2000" dirty="0">
+                <a:latin typeface="Arial" panose="020B0604020202020204" pitchFamily="34" charset="0"/>
+                <a:cs typeface="Arial" panose="020B0604020202020204" pitchFamily="34" charset="0"/>
+              </a:rPr>
               <a:t> campus community gets their sustenance and visualize the data in Power BI and </a:t>
             </a:r>
             <a:r>
-              <a:rPr lang="en-US" sz="2000" dirty="0" err="1"/>
+              <a:rPr lang="en-US" sz="2000" dirty="0" err="1">
+                <a:latin typeface="Arial" panose="020B0604020202020204" pitchFamily="34" charset="0"/>
+                <a:cs typeface="Arial" panose="020B0604020202020204" pitchFamily="34" charset="0"/>
+              </a:rPr>
               <a:t>Qliksense</a:t>
             </a:r>
             <a:r>
-              <a:rPr lang="en-US" sz="2000" dirty="0"/>
+              <a:rPr lang="en-US" sz="2000" dirty="0">
+                <a:latin typeface="Arial" panose="020B0604020202020204" pitchFamily="34" charset="0"/>
+                <a:cs typeface="Arial" panose="020B0604020202020204" pitchFamily="34" charset="0"/>
+              </a:rPr>
               <a:t> and draw a comparison between the two</a:t>
             </a:r>
             <a:r>
-              <a:rPr lang="en-US" sz="1800" dirty="0"/>
+              <a:rPr lang="en-US" sz="1800" dirty="0">
+                <a:latin typeface="Arial" panose="020B0604020202020204" pitchFamily="34" charset="0"/>
+                <a:cs typeface="Arial" panose="020B0604020202020204" pitchFamily="34" charset="0"/>
+              </a:rPr>
               <a:t>.</a:t>
             </a:r>
           </a:p>
@@ -4778,7 +4819,10 @@
           <a:lstStyle/>
           <a:p>
             <a:r>
-              <a:rPr lang="en-US" dirty="0"/>
+              <a:rPr lang="en-US" dirty="0">
+                <a:latin typeface="Arial" panose="020B0604020202020204" pitchFamily="34" charset="0"/>
+                <a:cs typeface="Arial" panose="020B0604020202020204" pitchFamily="34" charset="0"/>
+              </a:rPr>
               <a:t>Research Questions</a:t>
             </a:r>
           </a:p>
@@ -4814,47 +4858,96 @@
           <a:p>
             <a:pPr lvl="0"/>
             <a:r>
-              <a:rPr lang="en-US" sz="1800"/>
+              <a:rPr lang="en-US" sz="1800" dirty="0">
+                <a:latin typeface="Arial" panose="020B0604020202020204" pitchFamily="34" charset="0"/>
+                <a:cs typeface="Arial" panose="020B0604020202020204" pitchFamily="34" charset="0"/>
+              </a:rPr>
               <a:t>Which restaurants are closest to our location?</a:t>
             </a:r>
           </a:p>
           <a:p>
             <a:pPr lvl="0"/>
             <a:r>
-              <a:rPr lang="en-US" sz="1800"/>
+              <a:rPr lang="en-US" sz="1800" dirty="0">
+                <a:latin typeface="Arial" panose="020B0604020202020204" pitchFamily="34" charset="0"/>
+                <a:cs typeface="Arial" panose="020B0604020202020204" pitchFamily="34" charset="0"/>
+              </a:rPr>
               <a:t>Which restaurants are most affordable?</a:t>
             </a:r>
           </a:p>
           <a:p>
             <a:pPr lvl="0"/>
             <a:r>
-              <a:rPr lang="en-US" sz="1800"/>
+              <a:rPr lang="en-US" sz="1800" dirty="0">
+                <a:latin typeface="Arial" panose="020B0604020202020204" pitchFamily="34" charset="0"/>
+                <a:cs typeface="Arial" panose="020B0604020202020204" pitchFamily="34" charset="0"/>
+              </a:rPr>
               <a:t>Which restaurants are the most popular by rating among the community?</a:t>
             </a:r>
           </a:p>
           <a:p>
             <a:pPr lvl="0"/>
             <a:r>
-              <a:rPr lang="en-US" sz="1800"/>
+              <a:rPr lang="en-US" sz="1800" dirty="0">
+                <a:latin typeface="Arial" panose="020B0604020202020204" pitchFamily="34" charset="0"/>
+                <a:cs typeface="Arial" panose="020B0604020202020204" pitchFamily="34" charset="0"/>
+              </a:rPr>
               <a:t>What is the overall sentiments for the restaurants by the community?</a:t>
             </a:r>
           </a:p>
           <a:p>
             <a:pPr lvl="0"/>
             <a:r>
-              <a:rPr lang="en-US" sz="1800"/>
+              <a:rPr lang="en-US" sz="1800" dirty="0">
+                <a:latin typeface="Arial" panose="020B0604020202020204" pitchFamily="34" charset="0"/>
+                <a:cs typeface="Arial" panose="020B0604020202020204" pitchFamily="34" charset="0"/>
+              </a:rPr>
               <a:t>Which restaurant had the most reviews?</a:t>
             </a:r>
           </a:p>
           <a:p>
             <a:pPr lvl="0"/>
             <a:r>
-              <a:rPr lang="en-US" sz="1800"/>
-              <a:t>What are the differences between PowerBI and Qliksense?</a:t>
-            </a:r>
-          </a:p>
-          <a:p>
-            <a:endParaRPr lang="en-US" sz="1800"/>
+              <a:rPr lang="en-US" sz="1800" dirty="0">
+                <a:latin typeface="Arial" panose="020B0604020202020204" pitchFamily="34" charset="0"/>
+                <a:cs typeface="Arial" panose="020B0604020202020204" pitchFamily="34" charset="0"/>
+              </a:rPr>
+              <a:t>What are the differences between </a:t>
+            </a:r>
+            <a:r>
+              <a:rPr lang="en-US" sz="1800" dirty="0" err="1">
+                <a:latin typeface="Arial" panose="020B0604020202020204" pitchFamily="34" charset="0"/>
+                <a:cs typeface="Arial" panose="020B0604020202020204" pitchFamily="34" charset="0"/>
+              </a:rPr>
+              <a:t>PowerBI</a:t>
+            </a:r>
+            <a:r>
+              <a:rPr lang="en-US" sz="1800" dirty="0">
+                <a:latin typeface="Arial" panose="020B0604020202020204" pitchFamily="34" charset="0"/>
+                <a:cs typeface="Arial" panose="020B0604020202020204" pitchFamily="34" charset="0"/>
+              </a:rPr>
+              <a:t> and </a:t>
+            </a:r>
+            <a:r>
+              <a:rPr lang="en-US" sz="1800" dirty="0" err="1">
+                <a:latin typeface="Arial" panose="020B0604020202020204" pitchFamily="34" charset="0"/>
+                <a:cs typeface="Arial" panose="020B0604020202020204" pitchFamily="34" charset="0"/>
+              </a:rPr>
+              <a:t>Qliksense</a:t>
+            </a:r>
+            <a:r>
+              <a:rPr lang="en-US" sz="1800" dirty="0">
+                <a:latin typeface="Arial" panose="020B0604020202020204" pitchFamily="34" charset="0"/>
+                <a:cs typeface="Arial" panose="020B0604020202020204" pitchFamily="34" charset="0"/>
+              </a:rPr>
+              <a:t>?</a:t>
+            </a:r>
+          </a:p>
+          <a:p>
+            <a:endParaRPr lang="en-US" sz="1800" dirty="0">
+              <a:latin typeface="Arial" panose="020B0604020202020204" pitchFamily="34" charset="0"/>
+              <a:cs typeface="Arial" panose="020B0604020202020204" pitchFamily="34" charset="0"/>
+            </a:endParaRPr>
           </a:p>
         </p:txBody>
       </p:sp>
@@ -5197,6 +5290,8 @@
                 <a:solidFill>
                   <a:schemeClr val="bg1"/>
                 </a:solidFill>
+                <a:latin typeface="Arial" panose="020B0604020202020204" pitchFamily="34" charset="0"/>
+                <a:cs typeface="Arial" panose="020B0604020202020204" pitchFamily="34" charset="0"/>
               </a:rPr>
               <a:t>Methods</a:t>
             </a:r>
@@ -5743,12 +5838,17 @@
         </p:nvSpPr>
         <p:spPr/>
         <p:txBody>
-          <a:bodyPr/>
+          <a:bodyPr>
+            <a:normAutofit/>
+          </a:bodyPr>
           <a:lstStyle/>
           <a:p>
             <a:r>
-              <a:rPr lang="en-US" dirty="0"/>
-              <a:t>POWER BI DASHBOARD</a:t>
+              <a:rPr lang="en-US" sz="3200" b="1" i="1" dirty="0">
+                <a:latin typeface="Arial" panose="020B0604020202020204" pitchFamily="34" charset="0"/>
+                <a:cs typeface="Arial" panose="020B0604020202020204" pitchFamily="34" charset="0"/>
+              </a:rPr>
+              <a:t>POWER BI DASHBOARD (1/2)</a:t>
             </a:r>
           </a:p>
         </p:txBody>
@@ -5769,7 +5869,7 @@
             <p:ph idx="1"/>
           </p:nvPr>
         </p:nvPicPr>
-        <p:blipFill>
+        <p:blipFill rotWithShape="1">
           <a:blip r:embed="rId2">
             <a:extLst>
               <a:ext uri="{28A0092B-C50C-407E-A947-70E740481C1C}">
@@ -5777,14 +5877,13 @@
               </a:ext>
             </a:extLst>
           </a:blip>
-          <a:stretch>
-            <a:fillRect/>
-          </a:stretch>
+          <a:srcRect r="2752"/>
+          <a:stretch/>
         </p:blipFill>
         <p:spPr>
           <a:xfrm>
             <a:off x="1057275" y="1471613"/>
-            <a:ext cx="10515599" cy="5186361"/>
+            <a:ext cx="10226243" cy="5186361"/>
           </a:xfrm>
         </p:spPr>
       </p:pic>
@@ -5841,12 +5940,17 @@
           </a:xfrm>
         </p:spPr>
         <p:txBody>
-          <a:bodyPr/>
+          <a:bodyPr>
+            <a:normAutofit/>
+          </a:bodyPr>
           <a:lstStyle/>
           <a:p>
             <a:r>
-              <a:rPr lang="en-US" dirty="0"/>
-              <a:t>POWER BI DASHBOARD</a:t>
+              <a:rPr lang="en-US" sz="3200" b="1" i="1" dirty="0">
+                <a:latin typeface="Arial" panose="020B0604020202020204" pitchFamily="34" charset="0"/>
+                <a:cs typeface="Arial" panose="020B0604020202020204" pitchFamily="34" charset="0"/>
+              </a:rPr>
+              <a:t>POWER BI DASHBOARD (2/2)</a:t>
             </a:r>
           </a:p>
         </p:txBody>
@@ -6005,25 +6109,36 @@
           </a:xfrm>
         </p:spPr>
         <p:txBody>
-          <a:bodyPr>
+          <a:bodyPr vert="horz" lIns="91440" tIns="45720" rIns="91440" bIns="45720" rtlCol="0" anchor="ctr">
             <a:normAutofit fontScale="90000"/>
           </a:bodyPr>
           <a:lstStyle/>
           <a:p>
             <a:r>
-              <a:rPr lang="en-US" dirty="0"/>
-              <a:t>QLIKSENSE DASHBOARD</a:t>
+              <a:rPr lang="en-US" sz="3200" b="1" i="1" dirty="0">
+                <a:latin typeface="Arial" panose="020B0604020202020204" pitchFamily="34" charset="0"/>
+                <a:cs typeface="Arial" panose="020B0604020202020204" pitchFamily="34" charset="0"/>
+              </a:rPr>
+              <a:t>QLIKSENSE DASHBOARD (1/2)</a:t>
             </a:r>
             <a:br>
-              <a:rPr lang="en-US" dirty="0"/>
+              <a:rPr lang="en-US" sz="3200" b="1" i="1" dirty="0">
+                <a:latin typeface="Arial" panose="020B0604020202020204" pitchFamily="34" charset="0"/>
+                <a:cs typeface="Arial" panose="020B0604020202020204" pitchFamily="34" charset="0"/>
+              </a:rPr>
             </a:br>
             <a:r>
-              <a:rPr lang="en-US" sz="2700" dirty="0">
+              <a:rPr lang="en-US" sz="3200" b="1" i="1" dirty="0">
+                <a:latin typeface="Arial" panose="020B0604020202020204" pitchFamily="34" charset="0"/>
+                <a:cs typeface="Arial" panose="020B0604020202020204" pitchFamily="34" charset="0"/>
                 <a:hlinkClick r:id="rId5"/>
               </a:rPr>
               <a:t>https://us.qlikcloud.com/hub/personal</a:t>
             </a:r>
-            <a:endParaRPr lang="en-US" sz="2700" dirty="0"/>
+            <a:endParaRPr lang="en-US" sz="3200" b="1" i="1" dirty="0">
+              <a:latin typeface="Arial" panose="020B0604020202020204" pitchFamily="34" charset="0"/>
+              <a:cs typeface="Arial" panose="020B0604020202020204" pitchFamily="34" charset="0"/>
+            </a:endParaRPr>
           </a:p>
         </p:txBody>
       </p:sp>
@@ -6119,12 +6234,17 @@
           </a:xfrm>
         </p:spPr>
         <p:txBody>
-          <a:bodyPr/>
+          <a:bodyPr vert="horz" lIns="91440" tIns="45720" rIns="91440" bIns="45720" rtlCol="0" anchor="ctr">
+            <a:normAutofit/>
+          </a:bodyPr>
           <a:lstStyle/>
           <a:p>
             <a:r>
-              <a:rPr lang="en-US" dirty="0"/>
-              <a:t>QLIKSENSE DASHBOARD</a:t>
+              <a:rPr lang="en-US" sz="3200" b="1" i="1" dirty="0">
+                <a:latin typeface="Arial" panose="020B0604020202020204" pitchFamily="34" charset="0"/>
+                <a:cs typeface="Arial" panose="020B0604020202020204" pitchFamily="34" charset="0"/>
+              </a:rPr>
+              <a:t>QLIKSENSE DASHBOARD (2/2)</a:t>
             </a:r>
           </a:p>
         </p:txBody>
@@ -6140,6 +6260,14 @@
 <file path=ppt/slides/slide9.xml><?xml version="1.0" encoding="utf-8"?>
 <p:sld xmlns:a="http://schemas.openxmlformats.org/drawingml/2006/main" xmlns:r="http://schemas.openxmlformats.org/officeDocument/2006/relationships" xmlns:p="http://schemas.openxmlformats.org/presentationml/2006/main">
   <p:cSld>
+    <p:bg>
+      <p:bgPr>
+        <a:solidFill>
+          <a:srgbClr val="3F3F3F"/>
+        </a:solidFill>
+        <a:effectLst/>
+      </p:bgPr>
+    </p:bg>
     <p:spTree>
       <p:nvGrpSpPr>
         <p:cNvPr id="1" name=""/>
@@ -6169,37 +6297,37 @@
           <p:nvPr>
             <p:extLst>
               <p:ext uri="{D42A27DB-BD31-4B8C-83A1-F6EECF244321}">
-                <p14:modId xmlns:p14="http://schemas.microsoft.com/office/powerpoint/2010/main" val="3347564467"/>
+                <p14:modId xmlns:p14="http://schemas.microsoft.com/office/powerpoint/2010/main" val="2402184991"/>
               </p:ext>
             </p:extLst>
           </p:nvPr>
         </p:nvGraphicFramePr>
         <p:xfrm>
-          <a:off x="1085851" y="729191"/>
-          <a:ext cx="9102723" cy="5008828"/>
+          <a:off x="838199" y="1821146"/>
+          <a:ext cx="10515600" cy="5008828"/>
         </p:xfrm>
         <a:graphic>
           <a:graphicData uri="http://schemas.openxmlformats.org/drawingml/2006/table">
             <a:tbl>
               <a:tblPr firstRow="1" bandRow="1">
-                <a:tableStyleId>{5C22544A-7EE6-4342-B048-85BDC9FD1C3A}</a:tableStyleId>
+                <a:tableStyleId>{F5AB1C69-6EDB-4FF4-983F-18BD219EF322}</a:tableStyleId>
               </a:tblPr>
               <a:tblGrid>
-                <a:gridCol w="3171824">
+                <a:gridCol w="3664138">
                   <a:extLst>
                     <a:ext uri="{9D8B030D-6E8A-4147-A177-3AD203B41FA5}">
                       <a16:colId xmlns:a16="http://schemas.microsoft.com/office/drawing/2014/main" val="3616052071"/>
                     </a:ext>
                   </a:extLst>
                 </a:gridCol>
-                <a:gridCol w="3057525">
+                <a:gridCol w="3532098">
                   <a:extLst>
                     <a:ext uri="{9D8B030D-6E8A-4147-A177-3AD203B41FA5}">
                       <a16:colId xmlns:a16="http://schemas.microsoft.com/office/drawing/2014/main" val="3124378783"/>
                     </a:ext>
                   </a:extLst>
                 </a:gridCol>
-                <a:gridCol w="2873374">
+                <a:gridCol w="3319364">
                   <a:extLst>
                     <a:ext uri="{9D8B030D-6E8A-4147-A177-3AD203B41FA5}">
                       <a16:colId xmlns:a16="http://schemas.microsoft.com/office/drawing/2014/main" val="4145957832"/>
@@ -6213,39 +6341,51 @@
                     <a:bodyPr/>
                     <a:lstStyle/>
                     <a:p>
+                      <a:pPr algn="ctr"/>
                       <a:r>
-                        <a:rPr lang="en-US" dirty="0"/>
+                        <a:rPr lang="en-US" sz="1600" dirty="0">
+                          <a:latin typeface="Arial" panose="020B0604020202020204" pitchFamily="34" charset="0"/>
+                          <a:cs typeface="Arial" panose="020B0604020202020204" pitchFamily="34" charset="0"/>
+                        </a:rPr>
                         <a:t>FEATURES</a:t>
                       </a:r>
                     </a:p>
                   </a:txBody>
-                  <a:tcPr/>
+                  <a:tcPr anchor="ctr"/>
                 </a:tc>
                 <a:tc>
                   <a:txBody>
                     <a:bodyPr/>
                     <a:lstStyle/>
                     <a:p>
+                      <a:pPr algn="ctr"/>
                       <a:r>
-                        <a:rPr lang="en-US" dirty="0"/>
+                        <a:rPr lang="en-US" sz="1600" dirty="0">
+                          <a:latin typeface="Arial" panose="020B0604020202020204" pitchFamily="34" charset="0"/>
+                          <a:cs typeface="Arial" panose="020B0604020202020204" pitchFamily="34" charset="0"/>
+                        </a:rPr>
                         <a:t>POWER BI</a:t>
                       </a:r>
                     </a:p>
                   </a:txBody>
-                  <a:tcPr/>
+                  <a:tcPr anchor="ctr"/>
                 </a:tc>
                 <a:tc>
                   <a:txBody>
                     <a:bodyPr/>
                     <a:lstStyle/>
                     <a:p>
+                      <a:pPr algn="ctr"/>
                       <a:r>
-                        <a:rPr lang="en-US" dirty="0"/>
+                        <a:rPr lang="en-US" sz="1600" dirty="0">
+                          <a:latin typeface="Arial" panose="020B0604020202020204" pitchFamily="34" charset="0"/>
+                          <a:cs typeface="Arial" panose="020B0604020202020204" pitchFamily="34" charset="0"/>
+                        </a:rPr>
                         <a:t>QLIKSENSE</a:t>
                       </a:r>
                     </a:p>
                   </a:txBody>
-                  <a:tcPr/>
+                  <a:tcPr anchor="ctr"/>
                 </a:tc>
                 <a:extLst>
                   <a:ext uri="{0D108BD9-81ED-4DB2-BD59-A6C34878D82A}">
@@ -6260,38 +6400,53 @@
                     <a:lstStyle/>
                     <a:p>
                       <a:r>
-                        <a:rPr lang="en-US" dirty="0"/>
+                        <a:rPr lang="en-US" sz="1600" dirty="0">
+                          <a:latin typeface="Arial" panose="020B0604020202020204" pitchFamily="34" charset="0"/>
+                          <a:cs typeface="Arial" panose="020B0604020202020204" pitchFamily="34" charset="0"/>
+                        </a:rPr>
                         <a:t>DATA LOAD TRANSFORMATION</a:t>
                       </a:r>
+                      <a:endParaRPr lang="en-US" sz="1600" b="1" i="1" dirty="0">
+                        <a:latin typeface="Arial" panose="020B0604020202020204" pitchFamily="34" charset="0"/>
+                        <a:cs typeface="Arial" panose="020B0604020202020204" pitchFamily="34" charset="0"/>
+                      </a:endParaRPr>
                     </a:p>
                   </a:txBody>
-                  <a:tcPr/>
+                  <a:tcPr anchor="ctr"/>
                 </a:tc>
                 <a:tc>
                   <a:txBody>
                     <a:bodyPr/>
                     <a:lstStyle/>
                     <a:p>
+                      <a:pPr algn="ctr"/>
                       <a:r>
-                        <a:rPr lang="en-US" dirty="0"/>
+                        <a:rPr lang="en-US" sz="1600" dirty="0">
+                          <a:latin typeface="Arial" panose="020B0604020202020204" pitchFamily="34" charset="0"/>
+                          <a:cs typeface="Arial" panose="020B0604020202020204" pitchFamily="34" charset="0"/>
+                        </a:rPr>
                         <a:t>VERY GOOD</a:t>
                       </a:r>
                     </a:p>
                   </a:txBody>
-                  <a:tcPr/>
+                  <a:tcPr anchor="ctr"/>
                 </a:tc>
                 <a:tc>
                   <a:txBody>
                     <a:bodyPr/>
                     <a:lstStyle/>
                     <a:p>
+                      <a:pPr algn="ctr"/>
                       <a:r>
-                        <a:rPr lang="en-US" dirty="0"/>
+                        <a:rPr lang="en-US" sz="1600" dirty="0">
+                          <a:latin typeface="Arial" panose="020B0604020202020204" pitchFamily="34" charset="0"/>
+                          <a:cs typeface="Arial" panose="020B0604020202020204" pitchFamily="34" charset="0"/>
+                        </a:rPr>
                         <a:t>EXCELLENT</a:t>
                       </a:r>
                     </a:p>
                   </a:txBody>
-                  <a:tcPr/>
+                  <a:tcPr anchor="ctr"/>
                 </a:tc>
                 <a:extLst>
                   <a:ext uri="{0D108BD9-81ED-4DB2-BD59-A6C34878D82A}">
@@ -6306,19 +6461,26 @@
                     <a:lstStyle/>
                     <a:p>
                       <a:r>
-                        <a:rPr lang="en-US" dirty="0"/>
+                        <a:rPr lang="en-US" sz="1600" dirty="0">
+                          <a:latin typeface="Arial" panose="020B0604020202020204" pitchFamily="34" charset="0"/>
+                          <a:cs typeface="Arial" panose="020B0604020202020204" pitchFamily="34" charset="0"/>
+                        </a:rPr>
                         <a:t>MEASURES</a:t>
                       </a:r>
+                      <a:endParaRPr lang="en-US" sz="1600" b="1" i="1" dirty="0">
+                        <a:latin typeface="Arial" panose="020B0604020202020204" pitchFamily="34" charset="0"/>
+                        <a:cs typeface="Arial" panose="020B0604020202020204" pitchFamily="34" charset="0"/>
+                      </a:endParaRPr>
                     </a:p>
                   </a:txBody>
-                  <a:tcPr/>
+                  <a:tcPr anchor="ctr"/>
                 </a:tc>
                 <a:tc>
                   <a:txBody>
                     <a:bodyPr/>
                     <a:lstStyle/>
                     <a:p>
-                      <a:pPr marL="0" marR="0" lvl="0" indent="0" algn="l" defTabSz="914400" rtl="0" eaLnBrk="1" fontAlgn="auto" latinLnBrk="0" hangingPunct="1">
+                      <a:pPr marL="0" marR="0" lvl="0" indent="0" algn="ctr" defTabSz="914400" rtl="0" eaLnBrk="1" fontAlgn="auto" latinLnBrk="0" hangingPunct="1">
                         <a:lnSpc>
                           <a:spcPct val="100000"/>
                         </a:lnSpc>
@@ -6336,19 +6498,22 @@
                         <a:defRPr/>
                       </a:pPr>
                       <a:r>
-                        <a:rPr lang="en-US" dirty="0"/>
+                        <a:rPr lang="en-US" sz="1600" dirty="0">
+                          <a:latin typeface="Arial" panose="020B0604020202020204" pitchFamily="34" charset="0"/>
+                          <a:cs typeface="Arial" panose="020B0604020202020204" pitchFamily="34" charset="0"/>
+                        </a:rPr>
                         <a:t>VERY GOOD</a:t>
                       </a:r>
                     </a:p>
                   </a:txBody>
-                  <a:tcPr/>
+                  <a:tcPr anchor="ctr"/>
                 </a:tc>
                 <a:tc>
                   <a:txBody>
                     <a:bodyPr/>
                     <a:lstStyle/>
                     <a:p>
-                      <a:pPr marL="0" marR="0" lvl="0" indent="0" algn="l" defTabSz="914400" rtl="0" eaLnBrk="1" fontAlgn="auto" latinLnBrk="0" hangingPunct="1">
+                      <a:pPr marL="0" marR="0" lvl="0" indent="0" algn="ctr" defTabSz="914400" rtl="0" eaLnBrk="1" fontAlgn="auto" latinLnBrk="0" hangingPunct="1">
                         <a:lnSpc>
                           <a:spcPct val="100000"/>
                         </a:lnSpc>
@@ -6366,12 +6531,15 @@
                         <a:defRPr/>
                       </a:pPr>
                       <a:r>
-                        <a:rPr lang="en-US" dirty="0"/>
+                        <a:rPr lang="en-US" sz="1600" dirty="0">
+                          <a:latin typeface="Arial" panose="020B0604020202020204" pitchFamily="34" charset="0"/>
+                          <a:cs typeface="Arial" panose="020B0604020202020204" pitchFamily="34" charset="0"/>
+                        </a:rPr>
                         <a:t>EXCELLENT</a:t>
                       </a:r>
                     </a:p>
                   </a:txBody>
-                  <a:tcPr/>
+                  <a:tcPr anchor="ctr"/>
                 </a:tc>
                 <a:extLst>
                   <a:ext uri="{0D108BD9-81ED-4DB2-BD59-A6C34878D82A}">
@@ -6386,32 +6554,43 @@
                     <a:lstStyle/>
                     <a:p>
                       <a:r>
-                        <a:rPr lang="en-US" dirty="0"/>
+                        <a:rPr lang="en-US" sz="1600" dirty="0">
+                          <a:latin typeface="Arial" panose="020B0604020202020204" pitchFamily="34" charset="0"/>
+                          <a:cs typeface="Arial" panose="020B0604020202020204" pitchFamily="34" charset="0"/>
+                        </a:rPr>
                         <a:t>SEARCHING</a:t>
                       </a:r>
+                      <a:endParaRPr lang="en-US" sz="1600" b="1" i="1" dirty="0">
+                        <a:latin typeface="Arial" panose="020B0604020202020204" pitchFamily="34" charset="0"/>
+                        <a:cs typeface="Arial" panose="020B0604020202020204" pitchFamily="34" charset="0"/>
+                      </a:endParaRPr>
                     </a:p>
                   </a:txBody>
-                  <a:tcPr/>
+                  <a:tcPr anchor="ctr"/>
                 </a:tc>
                 <a:tc>
                   <a:txBody>
                     <a:bodyPr/>
                     <a:lstStyle/>
                     <a:p>
+                      <a:pPr algn="ctr"/>
                       <a:r>
-                        <a:rPr lang="en-US" dirty="0"/>
+                        <a:rPr lang="en-US" sz="1600" dirty="0">
+                          <a:latin typeface="Arial" panose="020B0604020202020204" pitchFamily="34" charset="0"/>
+                          <a:cs typeface="Arial" panose="020B0604020202020204" pitchFamily="34" charset="0"/>
+                        </a:rPr>
                         <a:t>ADEQUATE</a:t>
                       </a:r>
                     </a:p>
                   </a:txBody>
-                  <a:tcPr/>
+                  <a:tcPr anchor="ctr"/>
                 </a:tc>
                 <a:tc>
                   <a:txBody>
                     <a:bodyPr/>
                     <a:lstStyle/>
                     <a:p>
-                      <a:pPr marL="0" marR="0" lvl="0" indent="0" algn="l" defTabSz="914400" rtl="0" eaLnBrk="1" fontAlgn="auto" latinLnBrk="0" hangingPunct="1">
+                      <a:pPr marL="0" marR="0" lvl="0" indent="0" algn="ctr" defTabSz="914400" rtl="0" eaLnBrk="1" fontAlgn="auto" latinLnBrk="0" hangingPunct="1">
                         <a:lnSpc>
                           <a:spcPct val="100000"/>
                         </a:lnSpc>
@@ -6429,12 +6608,15 @@
                         <a:defRPr/>
                       </a:pPr>
                       <a:r>
-                        <a:rPr lang="en-US" dirty="0"/>
+                        <a:rPr lang="en-US" sz="1600" dirty="0">
+                          <a:latin typeface="Arial" panose="020B0604020202020204" pitchFamily="34" charset="0"/>
+                          <a:cs typeface="Arial" panose="020B0604020202020204" pitchFamily="34" charset="0"/>
+                        </a:rPr>
                         <a:t>EXCELLENT</a:t>
                       </a:r>
                     </a:p>
                   </a:txBody>
-                  <a:tcPr/>
+                  <a:tcPr anchor="ctr"/>
                 </a:tc>
                 <a:extLst>
                   <a:ext uri="{0D108BD9-81ED-4DB2-BD59-A6C34878D82A}">
@@ -6449,38 +6631,53 @@
                     <a:lstStyle/>
                     <a:p>
                       <a:r>
-                        <a:rPr lang="en-US" dirty="0"/>
+                        <a:rPr lang="en-US" sz="1600" dirty="0">
+                          <a:latin typeface="Arial" panose="020B0604020202020204" pitchFamily="34" charset="0"/>
+                          <a:cs typeface="Arial" panose="020B0604020202020204" pitchFamily="34" charset="0"/>
+                        </a:rPr>
                         <a:t>CLOUD FREE</a:t>
                       </a:r>
+                      <a:endParaRPr lang="en-US" sz="1600" b="1" i="1" dirty="0">
+                        <a:latin typeface="Arial" panose="020B0604020202020204" pitchFamily="34" charset="0"/>
+                        <a:cs typeface="Arial" panose="020B0604020202020204" pitchFamily="34" charset="0"/>
+                      </a:endParaRPr>
                     </a:p>
                   </a:txBody>
-                  <a:tcPr/>
+                  <a:tcPr anchor="ctr"/>
                 </a:tc>
                 <a:tc>
                   <a:txBody>
                     <a:bodyPr/>
                     <a:lstStyle/>
                     <a:p>
+                      <a:pPr algn="ctr"/>
                       <a:r>
-                        <a:rPr lang="en-US" dirty="0"/>
+                        <a:rPr lang="en-US" sz="1600" dirty="0">
+                          <a:latin typeface="Arial" panose="020B0604020202020204" pitchFamily="34" charset="0"/>
+                          <a:cs typeface="Arial" panose="020B0604020202020204" pitchFamily="34" charset="0"/>
+                        </a:rPr>
                         <a:t>YES FOR 1</a:t>
                       </a:r>
                     </a:p>
                   </a:txBody>
-                  <a:tcPr/>
+                  <a:tcPr anchor="ctr"/>
                 </a:tc>
                 <a:tc>
                   <a:txBody>
                     <a:bodyPr/>
                     <a:lstStyle/>
                     <a:p>
+                      <a:pPr algn="ctr"/>
                       <a:r>
-                        <a:rPr lang="en-US" dirty="0"/>
+                        <a:rPr lang="en-US" sz="1600" dirty="0">
+                          <a:latin typeface="Arial" panose="020B0604020202020204" pitchFamily="34" charset="0"/>
+                          <a:cs typeface="Arial" panose="020B0604020202020204" pitchFamily="34" charset="0"/>
+                        </a:rPr>
                         <a:t>YES SHARE 5</a:t>
                       </a:r>
                     </a:p>
                   </a:txBody>
-                  <a:tcPr/>
+                  <a:tcPr anchor="ctr"/>
                 </a:tc>
                 <a:extLst>
                   <a:ext uri="{0D108BD9-81ED-4DB2-BD59-A6C34878D82A}">
@@ -6495,38 +6692,53 @@
                     <a:lstStyle/>
                     <a:p>
                       <a:r>
-                        <a:rPr lang="en-US" dirty="0"/>
+                        <a:rPr lang="en-US" sz="1600" dirty="0">
+                          <a:latin typeface="Arial" panose="020B0604020202020204" pitchFamily="34" charset="0"/>
+                          <a:cs typeface="Arial" panose="020B0604020202020204" pitchFamily="34" charset="0"/>
+                        </a:rPr>
                         <a:t>ADJUSTING DIFF SCREEN SIZE</a:t>
                       </a:r>
+                      <a:endParaRPr lang="en-US" sz="1600" b="1" i="1" dirty="0">
+                        <a:latin typeface="Arial" panose="020B0604020202020204" pitchFamily="34" charset="0"/>
+                        <a:cs typeface="Arial" panose="020B0604020202020204" pitchFamily="34" charset="0"/>
+                      </a:endParaRPr>
                     </a:p>
                   </a:txBody>
-                  <a:tcPr/>
+                  <a:tcPr anchor="ctr"/>
                 </a:tc>
                 <a:tc>
                   <a:txBody>
                     <a:bodyPr/>
                     <a:lstStyle/>
                     <a:p>
+                      <a:pPr algn="ctr"/>
                       <a:r>
-                        <a:rPr lang="en-US" dirty="0"/>
+                        <a:rPr lang="en-US" sz="1600" dirty="0">
+                          <a:latin typeface="Arial" panose="020B0604020202020204" pitchFamily="34" charset="0"/>
+                          <a:cs typeface="Arial" panose="020B0604020202020204" pitchFamily="34" charset="0"/>
+                        </a:rPr>
                         <a:t>GOOD</a:t>
                       </a:r>
                     </a:p>
                   </a:txBody>
-                  <a:tcPr/>
+                  <a:tcPr anchor="ctr"/>
                 </a:tc>
                 <a:tc>
                   <a:txBody>
                     <a:bodyPr/>
                     <a:lstStyle/>
                     <a:p>
+                      <a:pPr algn="ctr"/>
                       <a:r>
-                        <a:rPr lang="en-US" dirty="0"/>
+                        <a:rPr lang="en-US" sz="1600" dirty="0">
+                          <a:latin typeface="Arial" panose="020B0604020202020204" pitchFamily="34" charset="0"/>
+                          <a:cs typeface="Arial" panose="020B0604020202020204" pitchFamily="34" charset="0"/>
+                        </a:rPr>
                         <a:t>EXCELLENT</a:t>
                       </a:r>
                     </a:p>
                   </a:txBody>
-                  <a:tcPr/>
+                  <a:tcPr anchor="ctr"/>
                 </a:tc>
                 <a:extLst>
                   <a:ext uri="{0D108BD9-81ED-4DB2-BD59-A6C34878D82A}">
@@ -6541,38 +6753,53 @@
                     <a:lstStyle/>
                     <a:p>
                       <a:r>
-                        <a:rPr lang="en-US" dirty="0"/>
+                        <a:rPr lang="en-US" sz="1600" dirty="0">
+                          <a:latin typeface="Arial" panose="020B0604020202020204" pitchFamily="34" charset="0"/>
+                          <a:cs typeface="Arial" panose="020B0604020202020204" pitchFamily="34" charset="0"/>
+                        </a:rPr>
                         <a:t>DATA LOAD TIME</a:t>
                       </a:r>
+                      <a:endParaRPr lang="en-US" sz="1600" b="1" i="1" dirty="0">
+                        <a:latin typeface="Arial" panose="020B0604020202020204" pitchFamily="34" charset="0"/>
+                        <a:cs typeface="Arial" panose="020B0604020202020204" pitchFamily="34" charset="0"/>
+                      </a:endParaRPr>
                     </a:p>
                   </a:txBody>
-                  <a:tcPr/>
+                  <a:tcPr anchor="ctr"/>
                 </a:tc>
                 <a:tc>
                   <a:txBody>
                     <a:bodyPr/>
                     <a:lstStyle/>
                     <a:p>
+                      <a:pPr algn="ctr"/>
                       <a:r>
-                        <a:rPr lang="en-US" dirty="0"/>
+                        <a:rPr lang="en-US" sz="1600" dirty="0">
+                          <a:latin typeface="Arial" panose="020B0604020202020204" pitchFamily="34" charset="0"/>
+                          <a:cs typeface="Arial" panose="020B0604020202020204" pitchFamily="34" charset="0"/>
+                        </a:rPr>
                         <a:t>BIT SLOW</a:t>
                       </a:r>
                     </a:p>
                   </a:txBody>
-                  <a:tcPr/>
+                  <a:tcPr anchor="ctr"/>
                 </a:tc>
                 <a:tc>
                   <a:txBody>
                     <a:bodyPr/>
                     <a:lstStyle/>
                     <a:p>
+                      <a:pPr algn="ctr"/>
                       <a:r>
-                        <a:rPr lang="en-US" dirty="0"/>
+                        <a:rPr lang="en-US" sz="1600" dirty="0">
+                          <a:latin typeface="Arial" panose="020B0604020202020204" pitchFamily="34" charset="0"/>
+                          <a:cs typeface="Arial" panose="020B0604020202020204" pitchFamily="34" charset="0"/>
+                        </a:rPr>
                         <a:t>VERY FAST</a:t>
                       </a:r>
                     </a:p>
                   </a:txBody>
-                  <a:tcPr/>
+                  <a:tcPr anchor="ctr"/>
                 </a:tc>
                 <a:extLst>
                   <a:ext uri="{0D108BD9-81ED-4DB2-BD59-A6C34878D82A}">
@@ -6587,38 +6814,53 @@
                     <a:lstStyle/>
                     <a:p>
                       <a:r>
-                        <a:rPr lang="en-US" dirty="0"/>
+                        <a:rPr lang="en-US" sz="1600" dirty="0">
+                          <a:latin typeface="Arial" panose="020B0604020202020204" pitchFamily="34" charset="0"/>
+                          <a:cs typeface="Arial" panose="020B0604020202020204" pitchFamily="34" charset="0"/>
+                        </a:rPr>
                         <a:t>PRINT EXPORT</a:t>
                       </a:r>
+                      <a:endParaRPr lang="en-US" sz="1600" b="1" i="1" dirty="0">
+                        <a:latin typeface="Arial" panose="020B0604020202020204" pitchFamily="34" charset="0"/>
+                        <a:cs typeface="Arial" panose="020B0604020202020204" pitchFamily="34" charset="0"/>
+                      </a:endParaRPr>
                     </a:p>
                   </a:txBody>
-                  <a:tcPr/>
+                  <a:tcPr anchor="ctr"/>
                 </a:tc>
                 <a:tc>
                   <a:txBody>
                     <a:bodyPr/>
                     <a:lstStyle/>
                     <a:p>
+                      <a:pPr algn="ctr"/>
                       <a:r>
-                        <a:rPr lang="en-US" dirty="0"/>
+                        <a:rPr lang="en-US" sz="1600" dirty="0">
+                          <a:latin typeface="Arial" panose="020B0604020202020204" pitchFamily="34" charset="0"/>
+                          <a:cs typeface="Arial" panose="020B0604020202020204" pitchFamily="34" charset="0"/>
+                        </a:rPr>
                         <a:t>ADEQUATE</a:t>
                       </a:r>
                     </a:p>
                   </a:txBody>
-                  <a:tcPr/>
+                  <a:tcPr anchor="ctr"/>
                 </a:tc>
                 <a:tc>
                   <a:txBody>
                     <a:bodyPr/>
                     <a:lstStyle/>
                     <a:p>
+                      <a:pPr algn="ctr"/>
                       <a:r>
-                        <a:rPr lang="en-US" dirty="0"/>
+                        <a:rPr lang="en-US" sz="1600" dirty="0">
+                          <a:latin typeface="Arial" panose="020B0604020202020204" pitchFamily="34" charset="0"/>
+                          <a:cs typeface="Arial" panose="020B0604020202020204" pitchFamily="34" charset="0"/>
+                        </a:rPr>
                         <a:t>GOOD</a:t>
                       </a:r>
                     </a:p>
                   </a:txBody>
-                  <a:tcPr/>
+                  <a:tcPr anchor="ctr"/>
                 </a:tc>
                 <a:extLst>
                   <a:ext uri="{0D108BD9-81ED-4DB2-BD59-A6C34878D82A}">
@@ -6633,38 +6875,53 @@
                     <a:lstStyle/>
                     <a:p>
                       <a:r>
-                        <a:rPr lang="en-US" dirty="0"/>
+                        <a:rPr lang="en-US" sz="1600" dirty="0">
+                          <a:latin typeface="Arial" panose="020B0604020202020204" pitchFamily="34" charset="0"/>
+                          <a:cs typeface="Arial" panose="020B0604020202020204" pitchFamily="34" charset="0"/>
+                        </a:rPr>
                         <a:t>NULL HANDLING</a:t>
                       </a:r>
+                      <a:endParaRPr lang="en-US" sz="1600" b="1" i="1" dirty="0">
+                        <a:latin typeface="Arial" panose="020B0604020202020204" pitchFamily="34" charset="0"/>
+                        <a:cs typeface="Arial" panose="020B0604020202020204" pitchFamily="34" charset="0"/>
+                      </a:endParaRPr>
                     </a:p>
                   </a:txBody>
-                  <a:tcPr/>
+                  <a:tcPr anchor="ctr"/>
                 </a:tc>
                 <a:tc>
                   <a:txBody>
                     <a:bodyPr/>
                     <a:lstStyle/>
                     <a:p>
+                      <a:pPr algn="ctr"/>
                       <a:r>
-                        <a:rPr lang="en-US" dirty="0"/>
+                        <a:rPr lang="en-US" sz="1600" dirty="0">
+                          <a:latin typeface="Arial" panose="020B0604020202020204" pitchFamily="34" charset="0"/>
+                          <a:cs typeface="Arial" panose="020B0604020202020204" pitchFamily="34" charset="0"/>
+                        </a:rPr>
                         <a:t>GOOD</a:t>
                       </a:r>
                     </a:p>
                   </a:txBody>
-                  <a:tcPr/>
+                  <a:tcPr anchor="ctr"/>
                 </a:tc>
                 <a:tc>
                   <a:txBody>
                     <a:bodyPr/>
                     <a:lstStyle/>
                     <a:p>
+                      <a:pPr algn="ctr"/>
                       <a:r>
-                        <a:rPr lang="en-US" dirty="0"/>
+                        <a:rPr lang="en-US" sz="1600" dirty="0">
+                          <a:latin typeface="Arial" panose="020B0604020202020204" pitchFamily="34" charset="0"/>
+                          <a:cs typeface="Arial" panose="020B0604020202020204" pitchFamily="34" charset="0"/>
+                        </a:rPr>
                         <a:t>DIFFICULT</a:t>
                       </a:r>
                     </a:p>
                   </a:txBody>
-                  <a:tcPr/>
+                  <a:tcPr anchor="ctr"/>
                 </a:tc>
                 <a:extLst>
                   <a:ext uri="{0D108BD9-81ED-4DB2-BD59-A6C34878D82A}">
@@ -6679,38 +6936,53 @@
                     <a:lstStyle/>
                     <a:p>
                       <a:r>
-                        <a:rPr lang="en-US" dirty="0"/>
+                        <a:rPr lang="en-US" sz="1600" dirty="0">
+                          <a:latin typeface="Arial" panose="020B0604020202020204" pitchFamily="34" charset="0"/>
+                          <a:cs typeface="Arial" panose="020B0604020202020204" pitchFamily="34" charset="0"/>
+                        </a:rPr>
                         <a:t>PIVOT TABLES</a:t>
                       </a:r>
+                      <a:endParaRPr lang="en-US" sz="1600" b="1" i="1" dirty="0">
+                        <a:latin typeface="Arial" panose="020B0604020202020204" pitchFamily="34" charset="0"/>
+                        <a:cs typeface="Arial" panose="020B0604020202020204" pitchFamily="34" charset="0"/>
+                      </a:endParaRPr>
                     </a:p>
                   </a:txBody>
-                  <a:tcPr/>
+                  <a:tcPr anchor="ctr"/>
                 </a:tc>
                 <a:tc>
                   <a:txBody>
                     <a:bodyPr/>
                     <a:lstStyle/>
                     <a:p>
+                      <a:pPr algn="ctr"/>
                       <a:r>
-                        <a:rPr lang="en-US" dirty="0"/>
+                        <a:rPr lang="en-US" sz="1600" dirty="0">
+                          <a:latin typeface="Arial" panose="020B0604020202020204" pitchFamily="34" charset="0"/>
+                          <a:cs typeface="Arial" panose="020B0604020202020204" pitchFamily="34" charset="0"/>
+                        </a:rPr>
                         <a:t>GOOD</a:t>
                       </a:r>
                     </a:p>
                   </a:txBody>
-                  <a:tcPr/>
+                  <a:tcPr anchor="ctr"/>
                 </a:tc>
                 <a:tc>
                   <a:txBody>
                     <a:bodyPr/>
                     <a:lstStyle/>
                     <a:p>
+                      <a:pPr algn="ctr"/>
                       <a:r>
-                        <a:rPr lang="en-US" dirty="0"/>
+                        <a:rPr lang="en-US" sz="1600" dirty="0">
+                          <a:latin typeface="Arial" panose="020B0604020202020204" pitchFamily="34" charset="0"/>
+                          <a:cs typeface="Arial" panose="020B0604020202020204" pitchFamily="34" charset="0"/>
+                        </a:rPr>
                         <a:t>VERY GOOD</a:t>
                       </a:r>
                     </a:p>
                   </a:txBody>
-                  <a:tcPr/>
+                  <a:tcPr anchor="ctr"/>
                 </a:tc>
                 <a:extLst>
                   <a:ext uri="{0D108BD9-81ED-4DB2-BD59-A6C34878D82A}">
@@ -6725,38 +6997,53 @@
                     <a:lstStyle/>
                     <a:p>
                       <a:r>
-                        <a:rPr lang="en-US" dirty="0"/>
+                        <a:rPr lang="en-US" sz="1600" dirty="0">
+                          <a:latin typeface="Arial" panose="020B0604020202020204" pitchFamily="34" charset="0"/>
+                          <a:cs typeface="Arial" panose="020B0604020202020204" pitchFamily="34" charset="0"/>
+                        </a:rPr>
                         <a:t>DRILL DOWN</a:t>
                       </a:r>
+                      <a:endParaRPr lang="en-US" sz="1600" b="1" i="1" dirty="0">
+                        <a:latin typeface="Arial" panose="020B0604020202020204" pitchFamily="34" charset="0"/>
+                        <a:cs typeface="Arial" panose="020B0604020202020204" pitchFamily="34" charset="0"/>
+                      </a:endParaRPr>
                     </a:p>
                   </a:txBody>
-                  <a:tcPr/>
+                  <a:tcPr anchor="ctr"/>
                 </a:tc>
                 <a:tc>
                   <a:txBody>
                     <a:bodyPr/>
                     <a:lstStyle/>
                     <a:p>
+                      <a:pPr algn="ctr"/>
                       <a:r>
-                        <a:rPr lang="en-US" dirty="0"/>
+                        <a:rPr lang="en-US" sz="1600" dirty="0">
+                          <a:latin typeface="Arial" panose="020B0604020202020204" pitchFamily="34" charset="0"/>
+                          <a:cs typeface="Arial" panose="020B0604020202020204" pitchFamily="34" charset="0"/>
+                        </a:rPr>
                         <a:t>GOOD</a:t>
                       </a:r>
                     </a:p>
                   </a:txBody>
-                  <a:tcPr/>
+                  <a:tcPr anchor="ctr"/>
                 </a:tc>
                 <a:tc>
                   <a:txBody>
                     <a:bodyPr/>
                     <a:lstStyle/>
                     <a:p>
+                      <a:pPr algn="ctr"/>
                       <a:r>
-                        <a:rPr lang="en-US" dirty="0"/>
+                        <a:rPr lang="en-US" sz="1600" dirty="0">
+                          <a:latin typeface="Arial" panose="020B0604020202020204" pitchFamily="34" charset="0"/>
+                          <a:cs typeface="Arial" panose="020B0604020202020204" pitchFamily="34" charset="0"/>
+                        </a:rPr>
                         <a:t>GOOD</a:t>
                       </a:r>
                     </a:p>
                   </a:txBody>
-                  <a:tcPr/>
+                  <a:tcPr anchor="ctr"/>
                 </a:tc>
                 <a:extLst>
                   <a:ext uri="{0D108BD9-81ED-4DB2-BD59-A6C34878D82A}">
@@ -6768,6 +7055,112 @@
           </a:graphicData>
         </a:graphic>
       </p:graphicFrame>
+      <p:sp>
+        <p:nvSpPr>
+          <p:cNvPr id="2" name="Title 1">
+            <a:extLst>
+              <a:ext uri="{FF2B5EF4-FFF2-40B4-BE49-F238E27FC236}">
+                <a16:creationId xmlns:a16="http://schemas.microsoft.com/office/drawing/2014/main" id="{03FD4D50-98F1-4E03-8165-8DE3693D88C1}"/>
+              </a:ext>
+            </a:extLst>
+          </p:cNvPr>
+          <p:cNvSpPr>
+            <a:spLocks noGrp="1"/>
+          </p:cNvSpPr>
+          <p:nvPr>
+            <p:ph type="title"/>
+          </p:nvPr>
+        </p:nvSpPr>
+        <p:spPr/>
+        <p:txBody>
+          <a:bodyPr/>
+          <a:lstStyle/>
+          <a:p>
+            <a:r>
+              <a:rPr lang="en-CA" b="1" i="1" dirty="0">
+                <a:solidFill>
+                  <a:schemeClr val="bg1"/>
+                </a:solidFill>
+                <a:latin typeface="Arial" panose="020B0604020202020204" pitchFamily="34" charset="0"/>
+                <a:cs typeface="Arial" panose="020B0604020202020204" pitchFamily="34" charset="0"/>
+              </a:rPr>
+              <a:t>                vs.</a:t>
+            </a:r>
+          </a:p>
+        </p:txBody>
+      </p:sp>
+      <p:pic>
+        <p:nvPicPr>
+          <p:cNvPr id="4" name="Picture 3">
+            <a:extLst>
+              <a:ext uri="{FF2B5EF4-FFF2-40B4-BE49-F238E27FC236}">
+                <a16:creationId xmlns:a16="http://schemas.microsoft.com/office/drawing/2014/main" id="{9F2B6D72-04ED-4662-8687-EB4B094E7718}"/>
+              </a:ext>
+            </a:extLst>
+          </p:cNvPr>
+          <p:cNvPicPr>
+            <a:picLocks noChangeAspect="1"/>
+          </p:cNvPicPr>
+          <p:nvPr/>
+        </p:nvPicPr>
+        <p:blipFill>
+          <a:blip r:embed="rId2">
+            <a:extLst>
+              <a:ext uri="{28A0092B-C50C-407E-A947-70E740481C1C}">
+                <a14:useLocalDpi xmlns:a14="http://schemas.microsoft.com/office/drawing/2010/main" val="0"/>
+              </a:ext>
+            </a:extLst>
+          </a:blip>
+          <a:stretch>
+            <a:fillRect/>
+          </a:stretch>
+        </p:blipFill>
+        <p:spPr>
+          <a:xfrm>
+            <a:off x="838199" y="522056"/>
+            <a:ext cx="2485748" cy="1011699"/>
+          </a:xfrm>
+          <a:prstGeom prst="rect">
+            <a:avLst/>
+          </a:prstGeom>
+        </p:spPr>
+      </p:pic>
+      <p:pic>
+        <p:nvPicPr>
+          <p:cNvPr id="7" name="Picture 6">
+            <a:extLst>
+              <a:ext uri="{FF2B5EF4-FFF2-40B4-BE49-F238E27FC236}">
+                <a16:creationId xmlns:a16="http://schemas.microsoft.com/office/drawing/2014/main" id="{869C9F20-E9B9-4E46-87C5-AFCEBC836668}"/>
+              </a:ext>
+            </a:extLst>
+          </p:cNvPr>
+          <p:cNvPicPr>
+            <a:picLocks noChangeAspect="1"/>
+          </p:cNvPicPr>
+          <p:nvPr/>
+        </p:nvPicPr>
+        <p:blipFill>
+          <a:blip r:embed="rId3">
+            <a:extLst>
+              <a:ext uri="{28A0092B-C50C-407E-A947-70E740481C1C}">
+                <a14:useLocalDpi xmlns:a14="http://schemas.microsoft.com/office/drawing/2010/main" val="0"/>
+              </a:ext>
+            </a:extLst>
+          </a:blip>
+          <a:stretch>
+            <a:fillRect/>
+          </a:stretch>
+        </p:blipFill>
+        <p:spPr>
+          <a:xfrm>
+            <a:off x="4502332" y="522105"/>
+            <a:ext cx="3187333" cy="1011600"/>
+          </a:xfrm>
+          <a:prstGeom prst="rect">
+            <a:avLst/>
+          </a:prstGeom>
+        </p:spPr>
+      </p:pic>
     </p:spTree>
     <p:extLst>
       <p:ext uri="{BB962C8B-B14F-4D97-AF65-F5344CB8AC3E}">
